--- a/PPT/캡스톤디자인_14주차_최종데모_5조.pptx
+++ b/PPT/캡스톤디자인_14주차_최종데모_5조.pptx
@@ -5,7 +5,7 @@
     <p:sldMasterId id="2147483648" r:id="rId1"/>
   </p:sldMasterIdLst>
   <p:notesMasterIdLst>
-    <p:notesMasterId r:id="rId26"/>
+    <p:notesMasterId r:id="rId27"/>
   </p:notesMasterIdLst>
   <p:sldIdLst>
     <p:sldId id="256" r:id="rId2"/>
@@ -15,54 +15,55 @@
     <p:sldId id="328" r:id="rId6"/>
     <p:sldId id="327" r:id="rId7"/>
     <p:sldId id="268" r:id="rId8"/>
-    <p:sldId id="332" r:id="rId9"/>
-    <p:sldId id="348" r:id="rId10"/>
-    <p:sldId id="349" r:id="rId11"/>
-    <p:sldId id="334" r:id="rId12"/>
-    <p:sldId id="350" r:id="rId13"/>
-    <p:sldId id="336" r:id="rId14"/>
-    <p:sldId id="352" r:id="rId15"/>
-    <p:sldId id="340" r:id="rId16"/>
-    <p:sldId id="295" r:id="rId17"/>
-    <p:sldId id="325" r:id="rId18"/>
-    <p:sldId id="341" r:id="rId19"/>
-    <p:sldId id="342" r:id="rId20"/>
-    <p:sldId id="345" r:id="rId21"/>
-    <p:sldId id="315" r:id="rId22"/>
-    <p:sldId id="343" r:id="rId23"/>
-    <p:sldId id="346" r:id="rId24"/>
-    <p:sldId id="266" r:id="rId25"/>
+    <p:sldId id="353" r:id="rId9"/>
+    <p:sldId id="332" r:id="rId10"/>
+    <p:sldId id="348" r:id="rId11"/>
+    <p:sldId id="349" r:id="rId12"/>
+    <p:sldId id="334" r:id="rId13"/>
+    <p:sldId id="350" r:id="rId14"/>
+    <p:sldId id="336" r:id="rId15"/>
+    <p:sldId id="352" r:id="rId16"/>
+    <p:sldId id="340" r:id="rId17"/>
+    <p:sldId id="295" r:id="rId18"/>
+    <p:sldId id="325" r:id="rId19"/>
+    <p:sldId id="341" r:id="rId20"/>
+    <p:sldId id="342" r:id="rId21"/>
+    <p:sldId id="345" r:id="rId22"/>
+    <p:sldId id="315" r:id="rId23"/>
+    <p:sldId id="343" r:id="rId24"/>
+    <p:sldId id="346" r:id="rId25"/>
+    <p:sldId id="266" r:id="rId26"/>
   </p:sldIdLst>
   <p:sldSz cx="12192000" cy="6858000"/>
   <p:notesSz cx="6858000" cy="9144000"/>
   <p:embeddedFontLst>
     <p:embeddedFont>
       <p:font typeface="나눔스퀘어" panose="020B0600000101010101" pitchFamily="50" charset="-127"/>
-      <p:regular r:id="rId27"/>
+      <p:regular r:id="rId28"/>
     </p:embeddedFont>
     <p:embeddedFont>
       <p:font typeface="맑은 고딕" panose="020B0503020000020004" pitchFamily="50" charset="-127"/>
-      <p:regular r:id="rId28"/>
-      <p:bold r:id="rId29"/>
+      <p:regular r:id="rId29"/>
+      <p:bold r:id="rId30"/>
     </p:embeddedFont>
     <p:embeddedFont>
       <p:font typeface="HY견고딕" panose="02030600000101010101" pitchFamily="18" charset="-127"/>
-      <p:regular r:id="rId30"/>
+      <p:regular r:id="rId31"/>
     </p:embeddedFont>
     <p:embeddedFont>
       <p:font typeface="나눔스퀘어 ExtraBold" panose="020B0600000101010101" pitchFamily="50" charset="-127"/>
-      <p:bold r:id="rId31"/>
+      <p:bold r:id="rId32"/>
     </p:embeddedFont>
     <p:embeddedFont>
       <p:font typeface="나눔스퀘어 Bold" panose="020B0600000101010101" pitchFamily="50" charset="-127"/>
-      <p:bold r:id="rId32"/>
+      <p:bold r:id="rId33"/>
     </p:embeddedFont>
     <p:embeddedFont>
       <p:font typeface="Verdana" panose="020B0604030504040204" pitchFamily="34" charset="0"/>
-      <p:regular r:id="rId33"/>
-      <p:bold r:id="rId34"/>
-      <p:italic r:id="rId35"/>
-      <p:boldItalic r:id="rId36"/>
+      <p:regular r:id="rId34"/>
+      <p:bold r:id="rId35"/>
+      <p:italic r:id="rId36"/>
+      <p:boldItalic r:id="rId37"/>
     </p:embeddedFont>
   </p:embeddedFontLst>
   <p:defaultTextStyle>
@@ -250,7 +251,7 @@
           <a:p>
             <a:fld id="{A1D3B85E-8A48-4066-B72F-913BB4E69F89}" type="datetimeFigureOut">
               <a:rPr lang="ko-KR" altLang="en-US" smtClean="0"/>
-              <a:t>2018-12-01</a:t>
+              <a:t>2018-12-03</a:t>
             </a:fld>
             <a:endParaRPr lang="ko-KR" altLang="en-US"/>
           </a:p>
@@ -645,6 +646,13 @@
           <a:bodyPr/>
           <a:lstStyle/>
           <a:p>
+            <a:pPr marL="0" indent="0">
+              <a:lnSpc>
+                <a:spcPct val="150000"/>
+              </a:lnSpc>
+              <a:buSzPct val="50000"/>
+              <a:buNone/>
+            </a:pPr>
             <a:endParaRPr lang="ko-KR" altLang="en-US" dirty="0"/>
           </a:p>
         </p:txBody>
@@ -666,7 +674,7 @@
           <a:p>
             <a:fld id="{231CB6DC-0120-4A0B-9EB4-AC0E3C50624C}" type="slidenum">
               <a:rPr lang="ko-KR" altLang="en-US" smtClean="0"/>
-              <a:t>13</a:t>
+              <a:t>12</a:t>
             </a:fld>
             <a:endParaRPr lang="ko-KR" altLang="en-US"/>
           </a:p>
@@ -675,7 +683,7 @@
     </p:spTree>
     <p:extLst>
       <p:ext uri="{BB962C8B-B14F-4D97-AF65-F5344CB8AC3E}">
-        <p14:creationId xmlns:p14="http://schemas.microsoft.com/office/powerpoint/2010/main" val="323496948"/>
+        <p14:creationId xmlns:p14="http://schemas.microsoft.com/office/powerpoint/2010/main" val="1051858275"/>
       </p:ext>
     </p:extLst>
   </p:cSld>
@@ -729,64 +737,6 @@
           <a:bodyPr/>
           <a:lstStyle/>
           <a:p>
-            <a:pPr marL="0" marR="0" lvl="0" indent="0" algn="l" defTabSz="914400" rtl="0" eaLnBrk="1" fontAlgn="auto" latinLnBrk="1" hangingPunct="1">
-              <a:lnSpc>
-                <a:spcPct val="100000"/>
-              </a:lnSpc>
-              <a:spcBef>
-                <a:spcPts val="0"/>
-              </a:spcBef>
-              <a:spcAft>
-                <a:spcPts val="0"/>
-              </a:spcAft>
-              <a:buClrTx/>
-              <a:buSzTx/>
-              <a:buFontTx/>
-              <a:buNone/>
-              <a:tabLst/>
-              <a:defRPr/>
-            </a:pPr>
-            <a:r>
-              <a:rPr lang="ko-KR" altLang="en-US" sz="1200" dirty="0">
-                <a:latin typeface="나눔스퀘어" panose="020B0600000101010101" pitchFamily="50" charset="-127"/>
-                <a:ea typeface="나눔스퀘어" panose="020B0600000101010101" pitchFamily="50" charset="-127"/>
-              </a:rPr>
-              <a:t>모델이 모니터링 중 회전될 수 있도록 </a:t>
-            </a:r>
-            <a:r>
-              <a:rPr lang="ko-KR" altLang="en-US" sz="1200" u="sng" dirty="0">
-                <a:latin typeface="나눔스퀘어" panose="020B0600000101010101" pitchFamily="50" charset="-127"/>
-                <a:ea typeface="나눔스퀘어" panose="020B0600000101010101" pitchFamily="50" charset="-127"/>
-              </a:rPr>
-              <a:t>프로젝트에서 지원하지 않았던 </a:t>
-            </a:r>
-            <a:r>
-              <a:rPr lang="ko-KR" altLang="en-US" sz="1200" dirty="0">
-                <a:latin typeface="나눔스퀘어" panose="020B0600000101010101" pitchFamily="50" charset="-127"/>
-                <a:ea typeface="나눔스퀘어" panose="020B0600000101010101" pitchFamily="50" charset="-127"/>
-              </a:rPr>
-              <a:t>기능 추가 </a:t>
-            </a:r>
-            <a:r>
-              <a:rPr lang="en-US" altLang="ko-KR" sz="1200" dirty="0">
-                <a:latin typeface="나눔스퀘어" panose="020B0600000101010101" pitchFamily="50" charset="-127"/>
-                <a:ea typeface="나눔스퀘어" panose="020B0600000101010101" pitchFamily="50" charset="-127"/>
-              </a:rPr>
-              <a:t>: </a:t>
-            </a:r>
-            <a:r>
-              <a:rPr lang="ko-KR" altLang="en-US" sz="1200" dirty="0">
-                <a:latin typeface="나눔스퀘어" panose="020B0600000101010101" pitchFamily="50" charset="-127"/>
-                <a:ea typeface="나눔스퀘어" panose="020B0600000101010101" pitchFamily="50" charset="-127"/>
-              </a:rPr>
-              <a:t>말할 때 </a:t>
-            </a:r>
-            <a:endParaRPr lang="en-US" altLang="ko-KR" sz="1200" dirty="0">
-              <a:latin typeface="나눔스퀘어" panose="020B0600000101010101" pitchFamily="50" charset="-127"/>
-              <a:ea typeface="나눔스퀘어" panose="020B0600000101010101" pitchFamily="50" charset="-127"/>
-            </a:endParaRPr>
-          </a:p>
-          <a:p>
             <a:endParaRPr lang="ko-KR" altLang="en-US" dirty="0"/>
           </a:p>
         </p:txBody>
@@ -817,7 +767,7 @@
     </p:spTree>
     <p:extLst>
       <p:ext uri="{BB962C8B-B14F-4D97-AF65-F5344CB8AC3E}">
-        <p14:creationId xmlns:p14="http://schemas.microsoft.com/office/powerpoint/2010/main" val="2954685127"/>
+        <p14:creationId xmlns:p14="http://schemas.microsoft.com/office/powerpoint/2010/main" val="323496948"/>
       </p:ext>
     </p:extLst>
   </p:cSld>
@@ -871,6 +821,64 @@
           <a:bodyPr/>
           <a:lstStyle/>
           <a:p>
+            <a:pPr marL="0" marR="0" lvl="0" indent="0" algn="l" defTabSz="914400" rtl="0" eaLnBrk="1" fontAlgn="auto" latinLnBrk="1" hangingPunct="1">
+              <a:lnSpc>
+                <a:spcPct val="100000"/>
+              </a:lnSpc>
+              <a:spcBef>
+                <a:spcPts val="0"/>
+              </a:spcBef>
+              <a:spcAft>
+                <a:spcPts val="0"/>
+              </a:spcAft>
+              <a:buClrTx/>
+              <a:buSzTx/>
+              <a:buFontTx/>
+              <a:buNone/>
+              <a:tabLst/>
+              <a:defRPr/>
+            </a:pPr>
+            <a:r>
+              <a:rPr lang="ko-KR" altLang="en-US" sz="1200" dirty="0">
+                <a:latin typeface="나눔스퀘어" panose="020B0600000101010101" pitchFamily="50" charset="-127"/>
+                <a:ea typeface="나눔스퀘어" panose="020B0600000101010101" pitchFamily="50" charset="-127"/>
+              </a:rPr>
+              <a:t>모델이 모니터링 중 회전될 수 있도록 </a:t>
+            </a:r>
+            <a:r>
+              <a:rPr lang="ko-KR" altLang="en-US" sz="1200" u="sng" dirty="0">
+                <a:latin typeface="나눔스퀘어" panose="020B0600000101010101" pitchFamily="50" charset="-127"/>
+                <a:ea typeface="나눔스퀘어" panose="020B0600000101010101" pitchFamily="50" charset="-127"/>
+              </a:rPr>
+              <a:t>프로젝트에서 지원하지 않았던 </a:t>
+            </a:r>
+            <a:r>
+              <a:rPr lang="ko-KR" altLang="en-US" sz="1200" dirty="0">
+                <a:latin typeface="나눔스퀘어" panose="020B0600000101010101" pitchFamily="50" charset="-127"/>
+                <a:ea typeface="나눔스퀘어" panose="020B0600000101010101" pitchFamily="50" charset="-127"/>
+              </a:rPr>
+              <a:t>기능 추가 </a:t>
+            </a:r>
+            <a:r>
+              <a:rPr lang="en-US" altLang="ko-KR" sz="1200" dirty="0">
+                <a:latin typeface="나눔스퀘어" panose="020B0600000101010101" pitchFamily="50" charset="-127"/>
+                <a:ea typeface="나눔스퀘어" panose="020B0600000101010101" pitchFamily="50" charset="-127"/>
+              </a:rPr>
+              <a:t>: </a:t>
+            </a:r>
+            <a:r>
+              <a:rPr lang="ko-KR" altLang="en-US" sz="1200" dirty="0">
+                <a:latin typeface="나눔스퀘어" panose="020B0600000101010101" pitchFamily="50" charset="-127"/>
+                <a:ea typeface="나눔스퀘어" panose="020B0600000101010101" pitchFamily="50" charset="-127"/>
+              </a:rPr>
+              <a:t>말할 때 </a:t>
+            </a:r>
+            <a:endParaRPr lang="en-US" altLang="ko-KR" sz="1200" dirty="0">
+              <a:latin typeface="나눔스퀘어" panose="020B0600000101010101" pitchFamily="50" charset="-127"/>
+              <a:ea typeface="나눔스퀘어" panose="020B0600000101010101" pitchFamily="50" charset="-127"/>
+            </a:endParaRPr>
+          </a:p>
+          <a:p>
             <a:endParaRPr lang="ko-KR" altLang="en-US" dirty="0"/>
           </a:p>
         </p:txBody>
@@ -901,7 +909,7 @@
     </p:spTree>
     <p:extLst>
       <p:ext uri="{BB962C8B-B14F-4D97-AF65-F5344CB8AC3E}">
-        <p14:creationId xmlns:p14="http://schemas.microsoft.com/office/powerpoint/2010/main" val="130065153"/>
+        <p14:creationId xmlns:p14="http://schemas.microsoft.com/office/powerpoint/2010/main" val="2954685127"/>
       </p:ext>
     </p:extLst>
   </p:cSld>
@@ -976,7 +984,7 @@
           <a:p>
             <a:fld id="{231CB6DC-0120-4A0B-9EB4-AC0E3C50624C}" type="slidenum">
               <a:rPr lang="ko-KR" altLang="en-US" smtClean="0"/>
-              <a:t>17</a:t>
+              <a:t>16</a:t>
             </a:fld>
             <a:endParaRPr lang="ko-KR" altLang="en-US"/>
           </a:p>
@@ -985,7 +993,7 @@
     </p:spTree>
     <p:extLst>
       <p:ext uri="{BB962C8B-B14F-4D97-AF65-F5344CB8AC3E}">
-        <p14:creationId xmlns:p14="http://schemas.microsoft.com/office/powerpoint/2010/main" val="3000938263"/>
+        <p14:creationId xmlns:p14="http://schemas.microsoft.com/office/powerpoint/2010/main" val="130065153"/>
       </p:ext>
     </p:extLst>
   </p:cSld>
@@ -1069,7 +1077,7 @@
     </p:spTree>
     <p:extLst>
       <p:ext uri="{BB962C8B-B14F-4D97-AF65-F5344CB8AC3E}">
-        <p14:creationId xmlns:p14="http://schemas.microsoft.com/office/powerpoint/2010/main" val="1844963804"/>
+        <p14:creationId xmlns:p14="http://schemas.microsoft.com/office/powerpoint/2010/main" val="3000938263"/>
       </p:ext>
     </p:extLst>
   </p:cSld>
@@ -1123,115 +1131,6 @@
           <a:bodyPr/>
           <a:lstStyle/>
           <a:p>
-            <a:pPr marL="540000" lvl="1" indent="-540000">
-              <a:lnSpc>
-                <a:spcPct val="200000"/>
-              </a:lnSpc>
-              <a:buClr>
-                <a:srgbClr val="6DCBC3"/>
-              </a:buClr>
-              <a:buSzPct val="150000"/>
-              <a:buFont typeface="+mj-lt"/>
-              <a:buAutoNum type="arabicPeriod"/>
-            </a:pPr>
-            <a:r>
-              <a:rPr lang="ko-KR" altLang="en-US" sz="2100" dirty="0">
-                <a:latin typeface="나눔스퀘어" panose="020B0600000101010101" pitchFamily="50" charset="-127"/>
-                <a:ea typeface="나눔스퀘어" panose="020B0600000101010101" pitchFamily="50" charset="-127"/>
-              </a:rPr>
-              <a:t>저가형 센서 하나만을 사용하여 치아 판별을 진행하여</a:t>
-            </a:r>
-            <a:r>
-              <a:rPr lang="en-US" altLang="ko-KR" sz="2100" dirty="0">
-                <a:latin typeface="나눔스퀘어" panose="020B0600000101010101" pitchFamily="50" charset="-127"/>
-                <a:ea typeface="나눔스퀘어" panose="020B0600000101010101" pitchFamily="50" charset="-127"/>
-              </a:rPr>
-              <a:t>, </a:t>
-            </a:r>
-            <a:r>
-              <a:rPr lang="ko-KR" altLang="en-US" sz="2100" dirty="0">
-                <a:latin typeface="나눔스퀘어" panose="020B0600000101010101" pitchFamily="50" charset="-127"/>
-                <a:ea typeface="나눔스퀘어" panose="020B0600000101010101" pitchFamily="50" charset="-127"/>
-              </a:rPr>
-              <a:t>인식할 수 있는 칫솔의 각도의 범위 값이 상당히 적어서 아쉬웠음</a:t>
-            </a:r>
-            <a:r>
-              <a:rPr lang="en-US" altLang="ko-KR" sz="2100" dirty="0">
-                <a:latin typeface="나눔스퀘어" panose="020B0600000101010101" pitchFamily="50" charset="-127"/>
-                <a:ea typeface="나눔스퀘어" panose="020B0600000101010101" pitchFamily="50" charset="-127"/>
-              </a:rPr>
-              <a:t>.</a:t>
-            </a:r>
-          </a:p>
-          <a:p>
-            <a:pPr marL="540000" lvl="1" indent="-540000">
-              <a:lnSpc>
-                <a:spcPct val="200000"/>
-              </a:lnSpc>
-              <a:buClr>
-                <a:srgbClr val="6DCBC3"/>
-              </a:buClr>
-              <a:buSzPct val="150000"/>
-              <a:buFont typeface="+mj-lt"/>
-              <a:buAutoNum type="arabicPeriod"/>
-            </a:pPr>
-            <a:r>
-              <a:rPr lang="ko-KR" altLang="en-US" sz="2100" dirty="0">
-                <a:latin typeface="나눔스퀘어" panose="020B0600000101010101" pitchFamily="50" charset="-127"/>
-                <a:ea typeface="나눔스퀘어" panose="020B0600000101010101" pitchFamily="50" charset="-127"/>
-              </a:rPr>
-              <a:t>스위치를 눌러 인식한 각도와 거의 확실하게 일치할 경우에만 해당 치아를 판별할 수 있어 예외의 상황에 약한 점을 확인</a:t>
-            </a:r>
-            <a:r>
-              <a:rPr lang="en-US" altLang="ko-KR" sz="2100" dirty="0">
-                <a:latin typeface="나눔스퀘어" panose="020B0600000101010101" pitchFamily="50" charset="-127"/>
-                <a:ea typeface="나눔스퀘어" panose="020B0600000101010101" pitchFamily="50" charset="-127"/>
-              </a:rPr>
-              <a:t>.</a:t>
-            </a:r>
-          </a:p>
-          <a:p>
-            <a:pPr marL="540000" lvl="1" indent="-540000">
-              <a:lnSpc>
-                <a:spcPct val="200000"/>
-              </a:lnSpc>
-              <a:buClr>
-                <a:srgbClr val="6DCBC3"/>
-              </a:buClr>
-              <a:buSzPct val="150000"/>
-              <a:buFont typeface="+mj-lt"/>
-              <a:buAutoNum type="arabicPeriod"/>
-            </a:pPr>
-            <a:r>
-              <a:rPr lang="ko-KR" altLang="en-US" sz="2100" dirty="0">
-                <a:latin typeface="나눔스퀘어" panose="020B0600000101010101" pitchFamily="50" charset="-127"/>
-                <a:ea typeface="나눔스퀘어" panose="020B0600000101010101" pitchFamily="50" charset="-127"/>
-              </a:rPr>
-              <a:t>아래의 발전 방향성을 통해 해결 가능성이 있는 이슈이고</a:t>
-            </a:r>
-            <a:r>
-              <a:rPr lang="en-US" altLang="ko-KR" sz="2100" dirty="0">
-                <a:latin typeface="나눔스퀘어" panose="020B0600000101010101" pitchFamily="50" charset="-127"/>
-                <a:ea typeface="나눔스퀘어" panose="020B0600000101010101" pitchFamily="50" charset="-127"/>
-              </a:rPr>
-              <a:t>, </a:t>
-            </a:r>
-            <a:r>
-              <a:rPr lang="ko-KR" altLang="en-US" sz="2100" dirty="0">
-                <a:latin typeface="나눔스퀘어" panose="020B0600000101010101" pitchFamily="50" charset="-127"/>
-                <a:ea typeface="나눔스퀘어" panose="020B0600000101010101" pitchFamily="50" charset="-127"/>
-              </a:rPr>
-              <a:t>현재 정해진 범주 내에서는 정상 작동하므로 프로젝트의 한계 사항으로 분류함</a:t>
-            </a:r>
-            <a:r>
-              <a:rPr lang="en-US" altLang="ko-KR" sz="2100" dirty="0">
-                <a:latin typeface="나눔스퀘어" panose="020B0600000101010101" pitchFamily="50" charset="-127"/>
-                <a:ea typeface="나눔스퀘어" panose="020B0600000101010101" pitchFamily="50" charset="-127"/>
-              </a:rPr>
-              <a:t>. </a:t>
-            </a:r>
-          </a:p>
-          <a:p>
             <a:endParaRPr lang="ko-KR" altLang="en-US" dirty="0"/>
           </a:p>
         </p:txBody>
@@ -1253,7 +1152,7 @@
           <a:p>
             <a:fld id="{231CB6DC-0120-4A0B-9EB4-AC0E3C50624C}" type="slidenum">
               <a:rPr lang="ko-KR" altLang="en-US" smtClean="0"/>
-              <a:t>20</a:t>
+              <a:t>19</a:t>
             </a:fld>
             <a:endParaRPr lang="ko-KR" altLang="en-US"/>
           </a:p>
@@ -1262,7 +1161,7 @@
     </p:spTree>
     <p:extLst>
       <p:ext uri="{BB962C8B-B14F-4D97-AF65-F5344CB8AC3E}">
-        <p14:creationId xmlns:p14="http://schemas.microsoft.com/office/powerpoint/2010/main" val="2209138319"/>
+        <p14:creationId xmlns:p14="http://schemas.microsoft.com/office/powerpoint/2010/main" val="1844963804"/>
       </p:ext>
     </p:extLst>
   </p:cSld>
@@ -1316,6 +1215,115 @@
           <a:bodyPr/>
           <a:lstStyle/>
           <a:p>
+            <a:pPr marL="540000" lvl="1" indent="-540000">
+              <a:lnSpc>
+                <a:spcPct val="200000"/>
+              </a:lnSpc>
+              <a:buClr>
+                <a:srgbClr val="6DCBC3"/>
+              </a:buClr>
+              <a:buSzPct val="150000"/>
+              <a:buFont typeface="+mj-lt"/>
+              <a:buAutoNum type="arabicPeriod"/>
+            </a:pPr>
+            <a:r>
+              <a:rPr lang="ko-KR" altLang="en-US" sz="2100" dirty="0">
+                <a:latin typeface="나눔스퀘어" panose="020B0600000101010101" pitchFamily="50" charset="-127"/>
+                <a:ea typeface="나눔스퀘어" panose="020B0600000101010101" pitchFamily="50" charset="-127"/>
+              </a:rPr>
+              <a:t>저가형 센서 하나만을 사용하여 치아 판별을 진행하여</a:t>
+            </a:r>
+            <a:r>
+              <a:rPr lang="en-US" altLang="ko-KR" sz="2100" dirty="0">
+                <a:latin typeface="나눔스퀘어" panose="020B0600000101010101" pitchFamily="50" charset="-127"/>
+                <a:ea typeface="나눔스퀘어" panose="020B0600000101010101" pitchFamily="50" charset="-127"/>
+              </a:rPr>
+              <a:t>, </a:t>
+            </a:r>
+            <a:r>
+              <a:rPr lang="ko-KR" altLang="en-US" sz="2100" dirty="0">
+                <a:latin typeface="나눔스퀘어" panose="020B0600000101010101" pitchFamily="50" charset="-127"/>
+                <a:ea typeface="나눔스퀘어" panose="020B0600000101010101" pitchFamily="50" charset="-127"/>
+              </a:rPr>
+              <a:t>인식할 수 있는 칫솔의 각도의 범위 값이 상당히 적어서 아쉬웠음</a:t>
+            </a:r>
+            <a:r>
+              <a:rPr lang="en-US" altLang="ko-KR" sz="2100" dirty="0">
+                <a:latin typeface="나눔스퀘어" panose="020B0600000101010101" pitchFamily="50" charset="-127"/>
+                <a:ea typeface="나눔스퀘어" panose="020B0600000101010101" pitchFamily="50" charset="-127"/>
+              </a:rPr>
+              <a:t>.</a:t>
+            </a:r>
+          </a:p>
+          <a:p>
+            <a:pPr marL="540000" lvl="1" indent="-540000">
+              <a:lnSpc>
+                <a:spcPct val="200000"/>
+              </a:lnSpc>
+              <a:buClr>
+                <a:srgbClr val="6DCBC3"/>
+              </a:buClr>
+              <a:buSzPct val="150000"/>
+              <a:buFont typeface="+mj-lt"/>
+              <a:buAutoNum type="arabicPeriod"/>
+            </a:pPr>
+            <a:r>
+              <a:rPr lang="ko-KR" altLang="en-US" sz="2100" dirty="0">
+                <a:latin typeface="나눔스퀘어" panose="020B0600000101010101" pitchFamily="50" charset="-127"/>
+                <a:ea typeface="나눔스퀘어" panose="020B0600000101010101" pitchFamily="50" charset="-127"/>
+              </a:rPr>
+              <a:t>스위치를 눌러 인식한 각도와 거의 확실하게 일치할 경우에만 해당 치아를 판별할 수 있어 예외의 상황에 약한 점을 확인</a:t>
+            </a:r>
+            <a:r>
+              <a:rPr lang="en-US" altLang="ko-KR" sz="2100" dirty="0">
+                <a:latin typeface="나눔스퀘어" panose="020B0600000101010101" pitchFamily="50" charset="-127"/>
+                <a:ea typeface="나눔스퀘어" panose="020B0600000101010101" pitchFamily="50" charset="-127"/>
+              </a:rPr>
+              <a:t>.</a:t>
+            </a:r>
+          </a:p>
+          <a:p>
+            <a:pPr marL="540000" lvl="1" indent="-540000">
+              <a:lnSpc>
+                <a:spcPct val="200000"/>
+              </a:lnSpc>
+              <a:buClr>
+                <a:srgbClr val="6DCBC3"/>
+              </a:buClr>
+              <a:buSzPct val="150000"/>
+              <a:buFont typeface="+mj-lt"/>
+              <a:buAutoNum type="arabicPeriod"/>
+            </a:pPr>
+            <a:r>
+              <a:rPr lang="ko-KR" altLang="en-US" sz="2100" dirty="0">
+                <a:latin typeface="나눔스퀘어" panose="020B0600000101010101" pitchFamily="50" charset="-127"/>
+                <a:ea typeface="나눔스퀘어" panose="020B0600000101010101" pitchFamily="50" charset="-127"/>
+              </a:rPr>
+              <a:t>아래의 발전 방향성을 통해 해결 가능성이 있는 이슈이고</a:t>
+            </a:r>
+            <a:r>
+              <a:rPr lang="en-US" altLang="ko-KR" sz="2100" dirty="0">
+                <a:latin typeface="나눔스퀘어" panose="020B0600000101010101" pitchFamily="50" charset="-127"/>
+                <a:ea typeface="나눔스퀘어" panose="020B0600000101010101" pitchFamily="50" charset="-127"/>
+              </a:rPr>
+              <a:t>, </a:t>
+            </a:r>
+            <a:r>
+              <a:rPr lang="ko-KR" altLang="en-US" sz="2100" dirty="0">
+                <a:latin typeface="나눔스퀘어" panose="020B0600000101010101" pitchFamily="50" charset="-127"/>
+                <a:ea typeface="나눔스퀘어" panose="020B0600000101010101" pitchFamily="50" charset="-127"/>
+              </a:rPr>
+              <a:t>현재 정해진 범주 내에서는 정상 작동하므로 프로젝트의 한계 사항으로 분류함</a:t>
+            </a:r>
+            <a:r>
+              <a:rPr lang="en-US" altLang="ko-KR" sz="2100" dirty="0">
+                <a:latin typeface="나눔스퀘어" panose="020B0600000101010101" pitchFamily="50" charset="-127"/>
+                <a:ea typeface="나눔스퀘어" panose="020B0600000101010101" pitchFamily="50" charset="-127"/>
+              </a:rPr>
+              <a:t>. </a:t>
+            </a:r>
+          </a:p>
+          <a:p>
             <a:endParaRPr lang="ko-KR" altLang="en-US" dirty="0"/>
           </a:p>
         </p:txBody>
@@ -1346,7 +1354,7 @@
     </p:spTree>
     <p:extLst>
       <p:ext uri="{BB962C8B-B14F-4D97-AF65-F5344CB8AC3E}">
-        <p14:creationId xmlns:p14="http://schemas.microsoft.com/office/powerpoint/2010/main" val="811759521"/>
+        <p14:creationId xmlns:p14="http://schemas.microsoft.com/office/powerpoint/2010/main" val="2209138319"/>
       </p:ext>
     </p:extLst>
   </p:cSld>
@@ -1430,7 +1438,7 @@
     </p:spTree>
     <p:extLst>
       <p:ext uri="{BB962C8B-B14F-4D97-AF65-F5344CB8AC3E}">
-        <p14:creationId xmlns:p14="http://schemas.microsoft.com/office/powerpoint/2010/main" val="2463583668"/>
+        <p14:creationId xmlns:p14="http://schemas.microsoft.com/office/powerpoint/2010/main" val="811759521"/>
       </p:ext>
     </p:extLst>
   </p:cSld>
@@ -1506,6 +1514,90 @@
             <a:fld id="{231CB6DC-0120-4A0B-9EB4-AC0E3C50624C}" type="slidenum">
               <a:rPr lang="ko-KR" altLang="en-US" smtClean="0"/>
               <a:t>23</a:t>
+            </a:fld>
+            <a:endParaRPr lang="ko-KR" altLang="en-US"/>
+          </a:p>
+        </p:txBody>
+      </p:sp>
+    </p:spTree>
+    <p:extLst>
+      <p:ext uri="{BB962C8B-B14F-4D97-AF65-F5344CB8AC3E}">
+        <p14:creationId xmlns:p14="http://schemas.microsoft.com/office/powerpoint/2010/main" val="2463583668"/>
+      </p:ext>
+    </p:extLst>
+  </p:cSld>
+  <p:clrMapOvr>
+    <a:masterClrMapping/>
+  </p:clrMapOvr>
+</p:notes>
+</file>
+
+<file path=ppt/notesSlides/notesSlide19.xml><?xml version="1.0" encoding="utf-8"?>
+<p:notes xmlns:a="http://schemas.openxmlformats.org/drawingml/2006/main" xmlns:r="http://schemas.openxmlformats.org/officeDocument/2006/relationships" xmlns:p="http://schemas.openxmlformats.org/presentationml/2006/main">
+  <p:cSld>
+    <p:spTree>
+      <p:nvGrpSpPr>
+        <p:cNvPr id="1" name=""/>
+        <p:cNvGrpSpPr/>
+        <p:nvPr/>
+      </p:nvGrpSpPr>
+      <p:grpSpPr>
+        <a:xfrm>
+          <a:off x="0" y="0"/>
+          <a:ext cx="0" cy="0"/>
+          <a:chOff x="0" y="0"/>
+          <a:chExt cx="0" cy="0"/>
+        </a:xfrm>
+      </p:grpSpPr>
+      <p:sp>
+        <p:nvSpPr>
+          <p:cNvPr id="2" name="슬라이드 이미지 개체 틀 1"/>
+          <p:cNvSpPr>
+            <a:spLocks noGrp="1" noRot="1" noChangeAspect="1"/>
+          </p:cNvSpPr>
+          <p:nvPr>
+            <p:ph type="sldImg"/>
+          </p:nvPr>
+        </p:nvSpPr>
+        <p:spPr/>
+      </p:sp>
+      <p:sp>
+        <p:nvSpPr>
+          <p:cNvPr id="3" name="슬라이드 노트 개체 틀 2"/>
+          <p:cNvSpPr>
+            <a:spLocks noGrp="1"/>
+          </p:cNvSpPr>
+          <p:nvPr>
+            <p:ph type="body" idx="1"/>
+          </p:nvPr>
+        </p:nvSpPr>
+        <p:spPr/>
+        <p:txBody>
+          <a:bodyPr/>
+          <a:lstStyle/>
+          <a:p>
+            <a:endParaRPr lang="ko-KR" altLang="en-US" dirty="0"/>
+          </a:p>
+        </p:txBody>
+      </p:sp>
+      <p:sp>
+        <p:nvSpPr>
+          <p:cNvPr id="4" name="슬라이드 번호 개체 틀 3"/>
+          <p:cNvSpPr>
+            <a:spLocks noGrp="1"/>
+          </p:cNvSpPr>
+          <p:nvPr>
+            <p:ph type="sldNum" sz="quarter" idx="5"/>
+          </p:nvPr>
+        </p:nvSpPr>
+        <p:spPr/>
+        <p:txBody>
+          <a:bodyPr/>
+          <a:lstStyle/>
+          <a:p>
+            <a:fld id="{231CB6DC-0120-4A0B-9EB4-AC0E3C50624C}" type="slidenum">
+              <a:rPr lang="ko-KR" altLang="en-US" smtClean="0"/>
+              <a:t>24</a:t>
             </a:fld>
             <a:endParaRPr lang="ko-KR" altLang="en-US"/>
           </a:p>
@@ -2009,7 +2101,7 @@
     </p:spTree>
     <p:extLst>
       <p:ext uri="{BB962C8B-B14F-4D97-AF65-F5344CB8AC3E}">
-        <p14:creationId xmlns:p14="http://schemas.microsoft.com/office/powerpoint/2010/main" val="2147626581"/>
+        <p14:creationId xmlns:p14="http://schemas.microsoft.com/office/powerpoint/2010/main" val="2337105056"/>
       </p:ext>
     </p:extLst>
   </p:cSld>
@@ -2100,7 +2192,7 @@
     </p:spTree>
     <p:extLst>
       <p:ext uri="{BB962C8B-B14F-4D97-AF65-F5344CB8AC3E}">
-        <p14:creationId xmlns:p14="http://schemas.microsoft.com/office/powerpoint/2010/main" val="3531236612"/>
+        <p14:creationId xmlns:p14="http://schemas.microsoft.com/office/powerpoint/2010/main" val="2147626581"/>
       </p:ext>
     </p:extLst>
   </p:cSld>
@@ -2191,7 +2283,7 @@
     </p:spTree>
     <p:extLst>
       <p:ext uri="{BB962C8B-B14F-4D97-AF65-F5344CB8AC3E}">
-        <p14:creationId xmlns:p14="http://schemas.microsoft.com/office/powerpoint/2010/main" val="224478906"/>
+        <p14:creationId xmlns:p14="http://schemas.microsoft.com/office/powerpoint/2010/main" val="3531236612"/>
       </p:ext>
     </p:extLst>
   </p:cSld>
@@ -2282,7 +2374,7 @@
     </p:spTree>
     <p:extLst>
       <p:ext uri="{BB962C8B-B14F-4D97-AF65-F5344CB8AC3E}">
-        <p14:creationId xmlns:p14="http://schemas.microsoft.com/office/powerpoint/2010/main" val="1051858275"/>
+        <p14:creationId xmlns:p14="http://schemas.microsoft.com/office/powerpoint/2010/main" val="224478906"/>
       </p:ext>
     </p:extLst>
   </p:cSld>
@@ -2443,7 +2535,7 @@
           <a:p>
             <a:fld id="{DD129790-0DC6-47CC-9942-83498BADFBAF}" type="datetimeFigureOut">
               <a:rPr lang="ko-KR" altLang="en-US" smtClean="0"/>
-              <a:t>2018-12-01</a:t>
+              <a:t>2018-12-03</a:t>
             </a:fld>
             <a:endParaRPr lang="ko-KR" altLang="en-US"/>
           </a:p>
@@ -2806,7 +2898,7 @@
           <a:p>
             <a:fld id="{DD129790-0DC6-47CC-9942-83498BADFBAF}" type="datetimeFigureOut">
               <a:rPr lang="ko-KR" altLang="en-US" smtClean="0"/>
-              <a:t>2018-12-01</a:t>
+              <a:t>2018-12-03</a:t>
             </a:fld>
             <a:endParaRPr lang="ko-KR" altLang="en-US"/>
           </a:p>
@@ -3094,7 +3186,7 @@
           <a:p>
             <a:fld id="{DD129790-0DC6-47CC-9942-83498BADFBAF}" type="datetimeFigureOut">
               <a:rPr lang="ko-KR" altLang="en-US" smtClean="0"/>
-              <a:t>2018-12-01</a:t>
+              <a:t>2018-12-03</a:t>
             </a:fld>
             <a:endParaRPr lang="ko-KR" altLang="en-US"/>
           </a:p>
@@ -3292,7 +3384,7 @@
           <a:p>
             <a:fld id="{DD129790-0DC6-47CC-9942-83498BADFBAF}" type="datetimeFigureOut">
               <a:rPr lang="ko-KR" altLang="en-US" smtClean="0"/>
-              <a:t>2018-12-01</a:t>
+              <a:t>2018-12-03</a:t>
             </a:fld>
             <a:endParaRPr lang="ko-KR" altLang="en-US"/>
           </a:p>
@@ -3500,7 +3592,7 @@
           <a:p>
             <a:fld id="{DD129790-0DC6-47CC-9942-83498BADFBAF}" type="datetimeFigureOut">
               <a:rPr lang="ko-KR" altLang="en-US" smtClean="0"/>
-              <a:t>2018-12-01</a:t>
+              <a:t>2018-12-03</a:t>
             </a:fld>
             <a:endParaRPr lang="ko-KR" altLang="en-US"/>
           </a:p>
@@ -3656,7 +3748,7 @@
           <a:p>
             <a:fld id="{DD129790-0DC6-47CC-9942-83498BADFBAF}" type="datetimeFigureOut">
               <a:rPr lang="ko-KR" altLang="en-US" smtClean="0"/>
-              <a:t>2018-12-01</a:t>
+              <a:t>2018-12-03</a:t>
             </a:fld>
             <a:endParaRPr lang="ko-KR" altLang="en-US"/>
           </a:p>
@@ -3975,7 +4067,7 @@
           <a:p>
             <a:fld id="{DD129790-0DC6-47CC-9942-83498BADFBAF}" type="datetimeFigureOut">
               <a:rPr lang="ko-KR" altLang="en-US" smtClean="0"/>
-              <a:t>2018-12-01</a:t>
+              <a:t>2018-12-03</a:t>
             </a:fld>
             <a:endParaRPr lang="ko-KR" altLang="en-US"/>
           </a:p>
@@ -4240,7 +4332,7 @@
           <a:p>
             <a:fld id="{DD129790-0DC6-47CC-9942-83498BADFBAF}" type="datetimeFigureOut">
               <a:rPr lang="ko-KR" altLang="en-US" smtClean="0"/>
-              <a:t>2018-12-01</a:t>
+              <a:t>2018-12-03</a:t>
             </a:fld>
             <a:endParaRPr lang="ko-KR" altLang="en-US"/>
           </a:p>
@@ -4652,7 +4744,7 @@
           <a:p>
             <a:fld id="{DD129790-0DC6-47CC-9942-83498BADFBAF}" type="datetimeFigureOut">
               <a:rPr lang="ko-KR" altLang="en-US" smtClean="0"/>
-              <a:t>2018-12-01</a:t>
+              <a:t>2018-12-03</a:t>
             </a:fld>
             <a:endParaRPr lang="ko-KR" altLang="en-US"/>
           </a:p>
@@ -4810,7 +4902,7 @@
           <a:p>
             <a:fld id="{DD129790-0DC6-47CC-9942-83498BADFBAF}" type="datetimeFigureOut">
               <a:rPr lang="ko-KR" altLang="en-US" smtClean="0"/>
-              <a:t>2018-12-01</a:t>
+              <a:t>2018-12-03</a:t>
             </a:fld>
             <a:endParaRPr lang="ko-KR" altLang="en-US"/>
           </a:p>
@@ -5012,7 +5104,7 @@
           <a:p>
             <a:fld id="{DD129790-0DC6-47CC-9942-83498BADFBAF}" type="datetimeFigureOut">
               <a:rPr lang="ko-KR" altLang="en-US" smtClean="0"/>
-              <a:t>2018-12-01</a:t>
+              <a:t>2018-12-03</a:t>
             </a:fld>
             <a:endParaRPr lang="ko-KR" altLang="en-US"/>
           </a:p>
@@ -5169,7 +5261,7 @@
           <a:p>
             <a:fld id="{DD129790-0DC6-47CC-9942-83498BADFBAF}" type="datetimeFigureOut">
               <a:rPr lang="ko-KR" altLang="en-US" smtClean="0"/>
-              <a:t>2018-12-01</a:t>
+              <a:t>2018-12-03</a:t>
             </a:fld>
             <a:endParaRPr lang="ko-KR" altLang="en-US"/>
           </a:p>
@@ -5282,7 +5374,7 @@
           <a:p>
             <a:fld id="{DD129790-0DC6-47CC-9942-83498BADFBAF}" type="datetimeFigureOut">
               <a:rPr lang="ko-KR" altLang="en-US" smtClean="0"/>
-              <a:t>2018-12-01</a:t>
+              <a:t>2018-12-03</a:t>
             </a:fld>
             <a:endParaRPr lang="ko-KR" altLang="en-US"/>
           </a:p>
@@ -5612,7 +5704,7 @@
           <a:p>
             <a:fld id="{DD129790-0DC6-47CC-9942-83498BADFBAF}" type="datetimeFigureOut">
               <a:rPr lang="ko-KR" altLang="en-US" smtClean="0"/>
-              <a:t>2018-12-01</a:t>
+              <a:t>2018-12-03</a:t>
             </a:fld>
             <a:endParaRPr lang="ko-KR" altLang="en-US"/>
           </a:p>
@@ -6415,6 +6507,559 @@
         </p:nvSpPr>
         <p:spPr>
           <a:xfrm>
+            <a:off x="4248393" y="341922"/>
+            <a:ext cx="3695242" cy="830997"/>
+          </a:xfrm>
+          <a:prstGeom prst="rect">
+            <a:avLst/>
+          </a:prstGeom>
+          <a:noFill/>
+        </p:spPr>
+        <p:txBody>
+          <a:bodyPr wrap="none" rtlCol="0">
+            <a:spAutoFit/>
+          </a:bodyPr>
+          <a:lstStyle/>
+          <a:p>
+            <a:pPr algn="ctr"/>
+            <a:r>
+              <a:rPr lang="ko-KR" altLang="en-US" sz="4800" dirty="0">
+                <a:solidFill>
+                  <a:srgbClr val="6BC7BF"/>
+                </a:solidFill>
+                <a:latin typeface="나눔스퀘어" panose="020B0600000101010101" pitchFamily="50" charset="-127"/>
+                <a:ea typeface="나눔스퀘어" panose="020B0600000101010101" pitchFamily="50" charset="-127"/>
+              </a:rPr>
+              <a:t>양치 모니터링</a:t>
+            </a:r>
+            <a:endParaRPr lang="en-US" altLang="ko-KR" sz="4800" dirty="0">
+              <a:solidFill>
+                <a:srgbClr val="6BC7BF"/>
+              </a:solidFill>
+              <a:latin typeface="나눔스퀘어" panose="020B0600000101010101" pitchFamily="50" charset="-127"/>
+              <a:ea typeface="나눔스퀘어" panose="020B0600000101010101" pitchFamily="50" charset="-127"/>
+            </a:endParaRPr>
+          </a:p>
+        </p:txBody>
+      </p:sp>
+      <p:sp>
+        <p:nvSpPr>
+          <p:cNvPr id="16" name="다양한 스마트 헬스케어 제품 출시…">
+            <a:extLst>
+              <a:ext uri="{FF2B5EF4-FFF2-40B4-BE49-F238E27FC236}">
+                <a16:creationId xmlns:a16="http://schemas.microsoft.com/office/drawing/2014/main" id="{41E72F1B-F8D1-4DAB-828A-0B72251BC4D4}"/>
+              </a:ext>
+            </a:extLst>
+          </p:cNvPr>
+          <p:cNvSpPr txBox="1">
+            <a:spLocks/>
+          </p:cNvSpPr>
+          <p:nvPr/>
+        </p:nvSpPr>
+        <p:spPr>
+          <a:xfrm>
+            <a:off x="1357261" y="1497473"/>
+            <a:ext cx="6191855" cy="4244108"/>
+          </a:xfrm>
+          <a:prstGeom prst="rect">
+            <a:avLst/>
+          </a:prstGeom>
+        </p:spPr>
+        <p:txBody>
+          <a:bodyPr vert="horz" lIns="91440" tIns="45720" rIns="91440" bIns="45720" rtlCol="0">
+            <a:noAutofit/>
+          </a:bodyPr>
+          <a:lstStyle>
+            <a:lvl1pPr marL="228600" indent="-228600" algn="l" defTabSz="914400" rtl="0" eaLnBrk="1" latinLnBrk="1" hangingPunct="1">
+              <a:lnSpc>
+                <a:spcPct val="90000"/>
+              </a:lnSpc>
+              <a:spcBef>
+                <a:spcPts val="1000"/>
+              </a:spcBef>
+              <a:buFont typeface="Arial" panose="020B0604020202020204" pitchFamily="34" charset="0"/>
+              <a:buChar char="•"/>
+              <a:defRPr sz="2800" kern="1200">
+                <a:solidFill>
+                  <a:schemeClr val="tx1"/>
+                </a:solidFill>
+                <a:latin typeface="+mn-lt"/>
+                <a:ea typeface="+mn-ea"/>
+                <a:cs typeface="+mn-cs"/>
+              </a:defRPr>
+            </a:lvl1pPr>
+            <a:lvl2pPr marL="685800" indent="-228600" algn="l" defTabSz="914400" rtl="0" eaLnBrk="1" latinLnBrk="1" hangingPunct="1">
+              <a:lnSpc>
+                <a:spcPct val="90000"/>
+              </a:lnSpc>
+              <a:spcBef>
+                <a:spcPts val="500"/>
+              </a:spcBef>
+              <a:buFont typeface="Arial" panose="020B0604020202020204" pitchFamily="34" charset="0"/>
+              <a:buChar char="•"/>
+              <a:defRPr sz="2400" kern="1200">
+                <a:solidFill>
+                  <a:schemeClr val="tx1"/>
+                </a:solidFill>
+                <a:latin typeface="+mn-lt"/>
+                <a:ea typeface="+mn-ea"/>
+                <a:cs typeface="+mn-cs"/>
+              </a:defRPr>
+            </a:lvl2pPr>
+            <a:lvl3pPr marL="1143000" indent="-228600" algn="l" defTabSz="914400" rtl="0" eaLnBrk="1" latinLnBrk="1" hangingPunct="1">
+              <a:lnSpc>
+                <a:spcPct val="90000"/>
+              </a:lnSpc>
+              <a:spcBef>
+                <a:spcPts val="500"/>
+              </a:spcBef>
+              <a:buFont typeface="Arial" panose="020B0604020202020204" pitchFamily="34" charset="0"/>
+              <a:buChar char="•"/>
+              <a:defRPr sz="2000" kern="1200">
+                <a:solidFill>
+                  <a:schemeClr val="tx1"/>
+                </a:solidFill>
+                <a:latin typeface="+mn-lt"/>
+                <a:ea typeface="+mn-ea"/>
+                <a:cs typeface="+mn-cs"/>
+              </a:defRPr>
+            </a:lvl3pPr>
+            <a:lvl4pPr marL="1600200" indent="-228600" algn="l" defTabSz="914400" rtl="0" eaLnBrk="1" latinLnBrk="1" hangingPunct="1">
+              <a:lnSpc>
+                <a:spcPct val="90000"/>
+              </a:lnSpc>
+              <a:spcBef>
+                <a:spcPts val="500"/>
+              </a:spcBef>
+              <a:buFont typeface="Arial" panose="020B0604020202020204" pitchFamily="34" charset="0"/>
+              <a:buChar char="•"/>
+              <a:defRPr sz="1800" kern="1200">
+                <a:solidFill>
+                  <a:schemeClr val="tx1"/>
+                </a:solidFill>
+                <a:latin typeface="+mn-lt"/>
+                <a:ea typeface="+mn-ea"/>
+                <a:cs typeface="+mn-cs"/>
+              </a:defRPr>
+            </a:lvl4pPr>
+            <a:lvl5pPr marL="2057400" indent="-228600" algn="l" defTabSz="914400" rtl="0" eaLnBrk="1" latinLnBrk="1" hangingPunct="1">
+              <a:lnSpc>
+                <a:spcPct val="90000"/>
+              </a:lnSpc>
+              <a:spcBef>
+                <a:spcPts val="500"/>
+              </a:spcBef>
+              <a:buFont typeface="Arial" panose="020B0604020202020204" pitchFamily="34" charset="0"/>
+              <a:buChar char="•"/>
+              <a:defRPr sz="1800" kern="1200">
+                <a:solidFill>
+                  <a:schemeClr val="tx1"/>
+                </a:solidFill>
+                <a:latin typeface="+mn-lt"/>
+                <a:ea typeface="+mn-ea"/>
+                <a:cs typeface="+mn-cs"/>
+              </a:defRPr>
+            </a:lvl5pPr>
+            <a:lvl6pPr marL="2514600" indent="-228600" algn="l" defTabSz="914400" rtl="0" eaLnBrk="1" latinLnBrk="1" hangingPunct="1">
+              <a:lnSpc>
+                <a:spcPct val="90000"/>
+              </a:lnSpc>
+              <a:spcBef>
+                <a:spcPts val="500"/>
+              </a:spcBef>
+              <a:buFont typeface="Arial" panose="020B0604020202020204" pitchFamily="34" charset="0"/>
+              <a:buChar char="•"/>
+              <a:defRPr sz="1800" kern="1200">
+                <a:solidFill>
+                  <a:schemeClr val="tx1"/>
+                </a:solidFill>
+                <a:latin typeface="+mn-lt"/>
+                <a:ea typeface="+mn-ea"/>
+                <a:cs typeface="+mn-cs"/>
+              </a:defRPr>
+            </a:lvl6pPr>
+            <a:lvl7pPr marL="2971800" indent="-228600" algn="l" defTabSz="914400" rtl="0" eaLnBrk="1" latinLnBrk="1" hangingPunct="1">
+              <a:lnSpc>
+                <a:spcPct val="90000"/>
+              </a:lnSpc>
+              <a:spcBef>
+                <a:spcPts val="500"/>
+              </a:spcBef>
+              <a:buFont typeface="Arial" panose="020B0604020202020204" pitchFamily="34" charset="0"/>
+              <a:buChar char="•"/>
+              <a:defRPr sz="1800" kern="1200">
+                <a:solidFill>
+                  <a:schemeClr val="tx1"/>
+                </a:solidFill>
+                <a:latin typeface="+mn-lt"/>
+                <a:ea typeface="+mn-ea"/>
+                <a:cs typeface="+mn-cs"/>
+              </a:defRPr>
+            </a:lvl7pPr>
+            <a:lvl8pPr marL="3429000" indent="-228600" algn="l" defTabSz="914400" rtl="0" eaLnBrk="1" latinLnBrk="1" hangingPunct="1">
+              <a:lnSpc>
+                <a:spcPct val="90000"/>
+              </a:lnSpc>
+              <a:spcBef>
+                <a:spcPts val="500"/>
+              </a:spcBef>
+              <a:buFont typeface="Arial" panose="020B0604020202020204" pitchFamily="34" charset="0"/>
+              <a:buChar char="•"/>
+              <a:defRPr sz="1800" kern="1200">
+                <a:solidFill>
+                  <a:schemeClr val="tx1"/>
+                </a:solidFill>
+                <a:latin typeface="+mn-lt"/>
+                <a:ea typeface="+mn-ea"/>
+                <a:cs typeface="+mn-cs"/>
+              </a:defRPr>
+            </a:lvl8pPr>
+            <a:lvl9pPr marL="3886200" indent="-228600" algn="l" defTabSz="914400" rtl="0" eaLnBrk="1" latinLnBrk="1" hangingPunct="1">
+              <a:lnSpc>
+                <a:spcPct val="90000"/>
+              </a:lnSpc>
+              <a:spcBef>
+                <a:spcPts val="500"/>
+              </a:spcBef>
+              <a:buFont typeface="Arial" panose="020B0604020202020204" pitchFamily="34" charset="0"/>
+              <a:buChar char="•"/>
+              <a:defRPr sz="1800" kern="1200">
+                <a:solidFill>
+                  <a:schemeClr val="tx1"/>
+                </a:solidFill>
+                <a:latin typeface="+mn-lt"/>
+                <a:ea typeface="+mn-ea"/>
+                <a:cs typeface="+mn-cs"/>
+              </a:defRPr>
+            </a:lvl9pPr>
+          </a:lstStyle>
+          <a:p>
+            <a:pPr>
+              <a:lnSpc>
+                <a:spcPct val="200000"/>
+              </a:lnSpc>
+              <a:buSzPct val="50000"/>
+            </a:pPr>
+            <a:r>
+              <a:rPr lang="ko-KR" altLang="en-US" sz="2000" dirty="0">
+                <a:latin typeface="나눔스퀘어" panose="020B0600000101010101" pitchFamily="50" charset="-127"/>
+                <a:ea typeface="나눔스퀘어" panose="020B0600000101010101" pitchFamily="50" charset="-127"/>
+              </a:rPr>
+              <a:t>치아모형을 터치하여 모니터링</a:t>
+            </a:r>
+            <a:r>
+              <a:rPr lang="en-US" altLang="ko-KR" sz="2000" dirty="0">
+                <a:latin typeface="나눔스퀘어" panose="020B0600000101010101" pitchFamily="50" charset="-127"/>
+                <a:ea typeface="나눔스퀘어" panose="020B0600000101010101" pitchFamily="50" charset="-127"/>
+              </a:rPr>
+              <a:t> </a:t>
+            </a:r>
+            <a:r>
+              <a:rPr lang="ko-KR" altLang="en-US" sz="2000" dirty="0">
+                <a:latin typeface="나눔스퀘어" panose="020B0600000101010101" pitchFamily="50" charset="-127"/>
+                <a:ea typeface="나눔스퀘어" panose="020B0600000101010101" pitchFamily="50" charset="-127"/>
+              </a:rPr>
+              <a:t>시작 및 종료</a:t>
+            </a:r>
+            <a:endParaRPr lang="en-US" altLang="ko-KR" sz="2000" dirty="0">
+              <a:latin typeface="나눔스퀘어" panose="020B0600000101010101" pitchFamily="50" charset="-127"/>
+              <a:ea typeface="나눔스퀘어" panose="020B0600000101010101" pitchFamily="50" charset="-127"/>
+            </a:endParaRPr>
+          </a:p>
+          <a:p>
+            <a:pPr>
+              <a:lnSpc>
+                <a:spcPct val="200000"/>
+              </a:lnSpc>
+              <a:buSzPct val="50000"/>
+            </a:pPr>
+            <a:r>
+              <a:rPr lang="ko-KR" altLang="en-US" sz="2000" dirty="0">
+                <a:latin typeface="나눔스퀘어" panose="020B0600000101010101" pitchFamily="50" charset="-127"/>
+                <a:ea typeface="나눔스퀘어" panose="020B0600000101010101" pitchFamily="50" charset="-127"/>
+              </a:rPr>
+              <a:t>아치 칫솔과 통신하며 양치 정보를 수집하여</a:t>
+            </a:r>
+            <a:r>
+              <a:rPr lang="en-US" altLang="ko-KR" sz="2000" dirty="0">
+                <a:latin typeface="나눔스퀘어" panose="020B0600000101010101" pitchFamily="50" charset="-127"/>
+                <a:ea typeface="나눔스퀘어" panose="020B0600000101010101" pitchFamily="50" charset="-127"/>
+              </a:rPr>
+              <a:t> </a:t>
+            </a:r>
+            <a:r>
+              <a:rPr lang="ko-KR" altLang="en-US" sz="2000" dirty="0">
+                <a:latin typeface="나눔스퀘어" panose="020B0600000101010101" pitchFamily="50" charset="-127"/>
+                <a:ea typeface="나눔스퀘어" panose="020B0600000101010101" pitchFamily="50" charset="-127"/>
+              </a:rPr>
+              <a:t>양치 진행 상황을 실시간으로  치아 모델에 보여 줌</a:t>
+            </a:r>
+            <a:endParaRPr lang="en-US" altLang="ko-KR" sz="2000" dirty="0">
+              <a:latin typeface="나눔스퀘어" panose="020B0600000101010101" pitchFamily="50" charset="-127"/>
+              <a:ea typeface="나눔스퀘어" panose="020B0600000101010101" pitchFamily="50" charset="-127"/>
+            </a:endParaRPr>
+          </a:p>
+          <a:p>
+            <a:pPr>
+              <a:lnSpc>
+                <a:spcPct val="200000"/>
+              </a:lnSpc>
+              <a:buSzPct val="50000"/>
+            </a:pPr>
+            <a:r>
+              <a:rPr lang="ko-KR" altLang="en-US" sz="2000" dirty="0">
+                <a:latin typeface="나눔스퀘어" panose="020B0600000101010101" pitchFamily="50" charset="-127"/>
+                <a:ea typeface="나눔스퀘어" panose="020B0600000101010101" pitchFamily="50" charset="-127"/>
+              </a:rPr>
+              <a:t>양치 시간을 측정하고</a:t>
+            </a:r>
+            <a:r>
+              <a:rPr lang="en-US" altLang="ko-KR" sz="2000" dirty="0">
+                <a:latin typeface="나눔스퀘어" panose="020B0600000101010101" pitchFamily="50" charset="-127"/>
+                <a:ea typeface="나눔스퀘어" panose="020B0600000101010101" pitchFamily="50" charset="-127"/>
+              </a:rPr>
+              <a:t>, </a:t>
+            </a:r>
+            <a:r>
+              <a:rPr lang="ko-KR" altLang="en-US" sz="2000" dirty="0">
+                <a:latin typeface="나눔스퀘어" panose="020B0600000101010101" pitchFamily="50" charset="-127"/>
+                <a:ea typeface="나눔스퀘어" panose="020B0600000101010101" pitchFamily="50" charset="-127"/>
+              </a:rPr>
+              <a:t>적당한 시간에 알림 제공</a:t>
+            </a:r>
+            <a:endParaRPr lang="en-US" altLang="ko-KR" sz="2000" dirty="0">
+              <a:latin typeface="나눔스퀘어" panose="020B0600000101010101" pitchFamily="50" charset="-127"/>
+              <a:ea typeface="나눔스퀘어" panose="020B0600000101010101" pitchFamily="50" charset="-127"/>
+            </a:endParaRPr>
+          </a:p>
+          <a:p>
+            <a:pPr>
+              <a:lnSpc>
+                <a:spcPct val="200000"/>
+              </a:lnSpc>
+              <a:buSzPct val="50000"/>
+            </a:pPr>
+            <a:r>
+              <a:rPr lang="ko-KR" altLang="en-US" sz="2000" dirty="0">
+                <a:latin typeface="나눔스퀘어" panose="020B0600000101010101" pitchFamily="50" charset="-127"/>
+                <a:ea typeface="나눔스퀘어" panose="020B0600000101010101" pitchFamily="50" charset="-127"/>
+              </a:rPr>
+              <a:t>치아 상식 섹션에서 치아정보를 제공</a:t>
+            </a:r>
+            <a:endParaRPr lang="en-US" altLang="ko-KR" sz="2000" dirty="0">
+              <a:latin typeface="나눔스퀘어" panose="020B0600000101010101" pitchFamily="50" charset="-127"/>
+              <a:ea typeface="나눔스퀘어" panose="020B0600000101010101" pitchFamily="50" charset="-127"/>
+            </a:endParaRPr>
+          </a:p>
+        </p:txBody>
+      </p:sp>
+      <p:pic>
+        <p:nvPicPr>
+          <p:cNvPr id="8" name="그림 7" descr="1.png">
+            <a:extLst>
+              <a:ext uri="{FF2B5EF4-FFF2-40B4-BE49-F238E27FC236}">
+                <a16:creationId xmlns:a16="http://schemas.microsoft.com/office/drawing/2014/main" id="{08F9094D-898B-4142-9AA8-B70ED27F6836}"/>
+              </a:ext>
+            </a:extLst>
+          </p:cNvPr>
+          <p:cNvPicPr>
+            <a:picLocks noChangeAspect="1"/>
+          </p:cNvPicPr>
+          <p:nvPr/>
+        </p:nvPicPr>
+        <p:blipFill>
+          <a:blip r:embed="rId3" cstate="print"/>
+          <a:stretch>
+            <a:fillRect/>
+          </a:stretch>
+        </p:blipFill>
+        <p:spPr>
+          <a:xfrm>
+            <a:off x="1162183" y="1650048"/>
+            <a:ext cx="390145" cy="408433"/>
+          </a:xfrm>
+          <a:prstGeom prst="rect">
+            <a:avLst/>
+          </a:prstGeom>
+        </p:spPr>
+      </p:pic>
+      <p:pic>
+        <p:nvPicPr>
+          <p:cNvPr id="9" name="그림 8" descr="2.png">
+            <a:extLst>
+              <a:ext uri="{FF2B5EF4-FFF2-40B4-BE49-F238E27FC236}">
+                <a16:creationId xmlns:a16="http://schemas.microsoft.com/office/drawing/2014/main" id="{46FDD669-BC7D-4A3D-918E-33ECFADAA7B2}"/>
+              </a:ext>
+            </a:extLst>
+          </p:cNvPr>
+          <p:cNvPicPr>
+            <a:picLocks noChangeAspect="1"/>
+          </p:cNvPicPr>
+          <p:nvPr/>
+        </p:nvPicPr>
+        <p:blipFill>
+          <a:blip r:embed="rId4" cstate="print"/>
+          <a:stretch>
+            <a:fillRect/>
+          </a:stretch>
+        </p:blipFill>
+        <p:spPr>
+          <a:xfrm>
+            <a:off x="1162182" y="2420498"/>
+            <a:ext cx="390145" cy="408433"/>
+          </a:xfrm>
+          <a:prstGeom prst="rect">
+            <a:avLst/>
+          </a:prstGeom>
+        </p:spPr>
+      </p:pic>
+      <p:pic>
+        <p:nvPicPr>
+          <p:cNvPr id="11" name="그림 10" descr="3.png">
+            <a:extLst>
+              <a:ext uri="{FF2B5EF4-FFF2-40B4-BE49-F238E27FC236}">
+                <a16:creationId xmlns:a16="http://schemas.microsoft.com/office/drawing/2014/main" id="{E830A15F-CBC2-4295-9719-15786311958F}"/>
+              </a:ext>
+            </a:extLst>
+          </p:cNvPr>
+          <p:cNvPicPr>
+            <a:picLocks noChangeAspect="1"/>
+          </p:cNvPicPr>
+          <p:nvPr/>
+        </p:nvPicPr>
+        <p:blipFill>
+          <a:blip r:embed="rId5" cstate="print"/>
+          <a:stretch>
+            <a:fillRect/>
+          </a:stretch>
+        </p:blipFill>
+        <p:spPr>
+          <a:xfrm>
+            <a:off x="1162181" y="3761055"/>
+            <a:ext cx="390145" cy="408433"/>
+          </a:xfrm>
+          <a:prstGeom prst="rect">
+            <a:avLst/>
+          </a:prstGeom>
+        </p:spPr>
+      </p:pic>
+      <p:pic>
+        <p:nvPicPr>
+          <p:cNvPr id="10" name="그림 9" descr="4.png">
+            <a:extLst>
+              <a:ext uri="{FF2B5EF4-FFF2-40B4-BE49-F238E27FC236}">
+                <a16:creationId xmlns:a16="http://schemas.microsoft.com/office/drawing/2014/main" id="{7918341F-43D1-44C7-8DFA-89271B259690}"/>
+              </a:ext>
+            </a:extLst>
+          </p:cNvPr>
+          <p:cNvPicPr>
+            <a:picLocks noChangeAspect="1"/>
+          </p:cNvPicPr>
+          <p:nvPr/>
+        </p:nvPicPr>
+        <p:blipFill>
+          <a:blip r:embed="rId6" cstate="print"/>
+          <a:stretch>
+            <a:fillRect/>
+          </a:stretch>
+        </p:blipFill>
+        <p:spPr>
+          <a:xfrm>
+            <a:off x="1162180" y="4531505"/>
+            <a:ext cx="390145" cy="408433"/>
+          </a:xfrm>
+          <a:prstGeom prst="rect">
+            <a:avLst/>
+          </a:prstGeom>
+        </p:spPr>
+      </p:pic>
+      <p:pic>
+        <p:nvPicPr>
+          <p:cNvPr id="12" name="그림 11">
+            <a:extLst>
+              <a:ext uri="{FF2B5EF4-FFF2-40B4-BE49-F238E27FC236}">
+                <a16:creationId xmlns:a16="http://schemas.microsoft.com/office/drawing/2014/main" id="{5861F741-7BFE-42E3-8B78-D48B35789307}"/>
+              </a:ext>
+            </a:extLst>
+          </p:cNvPr>
+          <p:cNvPicPr>
+            <a:picLocks noChangeAspect="1"/>
+          </p:cNvPicPr>
+          <p:nvPr/>
+        </p:nvPicPr>
+        <p:blipFill>
+          <a:blip r:embed="rId7">
+            <a:extLst>
+              <a:ext uri="{28A0092B-C50C-407E-A947-70E740481C1C}">
+                <a14:useLocalDpi xmlns:a14="http://schemas.microsoft.com/office/drawing/2010/main" val="0"/>
+              </a:ext>
+            </a:extLst>
+          </a:blip>
+          <a:stretch>
+            <a:fillRect/>
+          </a:stretch>
+        </p:blipFill>
+        <p:spPr>
+          <a:xfrm>
+            <a:off x="8368235" y="1497473"/>
+            <a:ext cx="2466504" cy="5070037"/>
+          </a:xfrm>
+          <a:prstGeom prst="rect">
+            <a:avLst/>
+          </a:prstGeom>
+          <a:ln>
+            <a:solidFill>
+              <a:schemeClr val="bg2">
+                <a:lumMod val="50000"/>
+              </a:schemeClr>
+            </a:solidFill>
+          </a:ln>
+        </p:spPr>
+      </p:pic>
+    </p:spTree>
+    <p:extLst>
+      <p:ext uri="{BB962C8B-B14F-4D97-AF65-F5344CB8AC3E}">
+        <p14:creationId xmlns:p14="http://schemas.microsoft.com/office/powerpoint/2010/main" val="651002703"/>
+      </p:ext>
+    </p:extLst>
+  </p:cSld>
+  <p:clrMapOvr>
+    <a:masterClrMapping/>
+  </p:clrMapOvr>
+</p:sld>
+</file>
+
+<file path=ppt/slides/slide11.xml><?xml version="1.0" encoding="utf-8"?>
+<p:sld xmlns:a="http://schemas.openxmlformats.org/drawingml/2006/main" xmlns:r="http://schemas.openxmlformats.org/officeDocument/2006/relationships" xmlns:p="http://schemas.openxmlformats.org/presentationml/2006/main">
+  <p:cSld>
+    <p:spTree>
+      <p:nvGrpSpPr>
+        <p:cNvPr id="1" name=""/>
+        <p:cNvGrpSpPr/>
+        <p:nvPr/>
+      </p:nvGrpSpPr>
+      <p:grpSpPr>
+        <a:xfrm>
+          <a:off x="0" y="0"/>
+          <a:ext cx="0" cy="0"/>
+          <a:chOff x="0" y="0"/>
+          <a:chExt cx="0" cy="0"/>
+        </a:xfrm>
+      </p:grpSpPr>
+      <p:sp>
+        <p:nvSpPr>
+          <p:cNvPr id="6" name="TextBox 5">
+            <a:extLst>
+              <a:ext uri="{FF2B5EF4-FFF2-40B4-BE49-F238E27FC236}">
+                <a16:creationId xmlns:a16="http://schemas.microsoft.com/office/drawing/2014/main" id="{42A6955F-C97B-4E5D-AA79-0644E3710CD5}"/>
+              </a:ext>
+            </a:extLst>
+          </p:cNvPr>
+          <p:cNvSpPr txBox="1"/>
+          <p:nvPr/>
+        </p:nvSpPr>
+        <p:spPr>
+          <a:xfrm>
             <a:off x="5164508" y="341922"/>
             <a:ext cx="1863011" cy="830997"/>
           </a:xfrm>
@@ -6690,55 +7335,6 @@
               <a:latin typeface="나눔스퀘어" panose="020B0600000101010101" pitchFamily="50" charset="-127"/>
               <a:ea typeface="나눔스퀘어" panose="020B0600000101010101" pitchFamily="50" charset="-127"/>
             </a:endParaRPr>
-          </a:p>
-        </p:txBody>
-      </p:sp>
-      <p:sp>
-        <p:nvSpPr>
-          <p:cNvPr id="3" name="직사각형 2">
-            <a:extLst>
-              <a:ext uri="{FF2B5EF4-FFF2-40B4-BE49-F238E27FC236}">
-                <a16:creationId xmlns:a16="http://schemas.microsoft.com/office/drawing/2014/main" id="{BFAE8634-461D-493B-9929-DE4F4641348D}"/>
-              </a:ext>
-            </a:extLst>
-          </p:cNvPr>
-          <p:cNvSpPr/>
-          <p:nvPr/>
-        </p:nvSpPr>
-        <p:spPr>
-          <a:xfrm>
-            <a:off x="1008930" y="1497472"/>
-            <a:ext cx="2950235" cy="4772205"/>
-          </a:xfrm>
-          <a:prstGeom prst="rect">
-            <a:avLst/>
-          </a:prstGeom>
-        </p:spPr>
-        <p:style>
-          <a:lnRef idx="2">
-            <a:schemeClr val="accent1">
-              <a:shade val="50000"/>
-            </a:schemeClr>
-          </a:lnRef>
-          <a:fillRef idx="1">
-            <a:schemeClr val="accent1"/>
-          </a:fillRef>
-          <a:effectRef idx="0">
-            <a:schemeClr val="accent1"/>
-          </a:effectRef>
-          <a:fontRef idx="minor">
-            <a:schemeClr val="lt1"/>
-          </a:fontRef>
-        </p:style>
-        <p:txBody>
-          <a:bodyPr rtlCol="0" anchor="ctr"/>
-          <a:lstStyle/>
-          <a:p>
-            <a:pPr algn="ctr"/>
-            <a:r>
-              <a:rPr lang="ko-KR" altLang="en-US" dirty="0"/>
-              <a:t>캘린더 페이지 화면</a:t>
-            </a:r>
           </a:p>
         </p:txBody>
       </p:sp>
@@ -6832,6 +7428,49 @@
           </a:prstGeom>
         </p:spPr>
       </p:pic>
+      <p:pic>
+        <p:nvPicPr>
+          <p:cNvPr id="8" name="그림 7">
+            <a:extLst>
+              <a:ext uri="{FF2B5EF4-FFF2-40B4-BE49-F238E27FC236}">
+                <a16:creationId xmlns:a16="http://schemas.microsoft.com/office/drawing/2014/main" id="{2B965E0B-2693-42EA-B934-8A306EBD4AAC}"/>
+              </a:ext>
+            </a:extLst>
+          </p:cNvPr>
+          <p:cNvPicPr>
+            <a:picLocks noChangeAspect="1"/>
+          </p:cNvPicPr>
+          <p:nvPr/>
+        </p:nvPicPr>
+        <p:blipFill>
+          <a:blip r:embed="rId6">
+            <a:extLst>
+              <a:ext uri="{28A0092B-C50C-407E-A947-70E740481C1C}">
+                <a14:useLocalDpi xmlns:a14="http://schemas.microsoft.com/office/drawing/2010/main" val="0"/>
+              </a:ext>
+            </a:extLst>
+          </a:blip>
+          <a:stretch>
+            <a:fillRect/>
+          </a:stretch>
+        </p:blipFill>
+        <p:spPr>
+          <a:xfrm>
+            <a:off x="1530211" y="1469309"/>
+            <a:ext cx="2466504" cy="5070037"/>
+          </a:xfrm>
+          <a:prstGeom prst="rect">
+            <a:avLst/>
+          </a:prstGeom>
+          <a:ln>
+            <a:solidFill>
+              <a:schemeClr val="bg2">
+                <a:lumMod val="50000"/>
+              </a:schemeClr>
+            </a:solidFill>
+          </a:ln>
+        </p:spPr>
+      </p:pic>
     </p:spTree>
     <p:extLst>
       <p:ext uri="{BB962C8B-B14F-4D97-AF65-F5344CB8AC3E}">
@@ -6845,7 +7484,7 @@
 </p:sld>
 </file>
 
-<file path=ppt/slides/slide11.xml><?xml version="1.0" encoding="utf-8"?>
+<file path=ppt/slides/slide12.xml><?xml version="1.0" encoding="utf-8"?>
 <p:sld xmlns:a="http://schemas.openxmlformats.org/drawingml/2006/main" xmlns:r="http://schemas.openxmlformats.org/officeDocument/2006/relationships" xmlns:p="http://schemas.openxmlformats.org/presentationml/2006/main">
   <p:cSld>
     <p:spTree>
@@ -7362,7 +8001,7 @@
 </p:sld>
 </file>
 
-<file path=ppt/slides/slide12.xml><?xml version="1.0" encoding="utf-8"?>
+<file path=ppt/slides/slide13.xml><?xml version="1.0" encoding="utf-8"?>
 <p:sld xmlns:a="http://schemas.openxmlformats.org/drawingml/2006/main" xmlns:r="http://schemas.openxmlformats.org/officeDocument/2006/relationships" xmlns:p="http://schemas.openxmlformats.org/presentationml/2006/main">
   <p:cSld>
     <p:spTree>
@@ -7434,7 +8073,7 @@
 </p:sld>
 </file>
 
-<file path=ppt/slides/slide13.xml><?xml version="1.0" encoding="utf-8"?>
+<file path=ppt/slides/slide14.xml><?xml version="1.0" encoding="utf-8"?>
 <p:sld xmlns:a="http://schemas.openxmlformats.org/drawingml/2006/main" xmlns:r="http://schemas.openxmlformats.org/officeDocument/2006/relationships" xmlns:p="http://schemas.openxmlformats.org/presentationml/2006/main">
   <p:cSld>
     <p:spTree>
@@ -8734,7 +9373,7 @@
 </p:sld>
 </file>
 
-<file path=ppt/slides/slide14.xml><?xml version="1.0" encoding="utf-8"?>
+<file path=ppt/slides/slide15.xml><?xml version="1.0" encoding="utf-8"?>
 <p:sld xmlns:a="http://schemas.openxmlformats.org/drawingml/2006/main" xmlns:r="http://schemas.openxmlformats.org/officeDocument/2006/relationships" xmlns:p="http://schemas.openxmlformats.org/presentationml/2006/main">
   <p:cSld>
     <p:spTree>
@@ -9802,7 +10441,7 @@
 </p:sld>
 </file>
 
-<file path=ppt/slides/slide15.xml><?xml version="1.0" encoding="utf-8"?>
+<file path=ppt/slides/slide16.xml><?xml version="1.0" encoding="utf-8"?>
 <p:sld xmlns:a="http://schemas.openxmlformats.org/drawingml/2006/main" xmlns:r="http://schemas.openxmlformats.org/officeDocument/2006/relationships" xmlns:p="http://schemas.openxmlformats.org/presentationml/2006/main">
   <p:cSld>
     <p:spTree>
@@ -11168,7 +11807,7 @@
 </p:sld>
 </file>
 
-<file path=ppt/slides/slide16.xml><?xml version="1.0" encoding="utf-8"?>
+<file path=ppt/slides/slide17.xml><?xml version="1.0" encoding="utf-8"?>
 <p:sld xmlns:a="http://schemas.openxmlformats.org/drawingml/2006/main" xmlns:r="http://schemas.openxmlformats.org/officeDocument/2006/relationships" xmlns:p="http://schemas.openxmlformats.org/presentationml/2006/main">
   <p:cSld>
     <p:spTree>
@@ -11240,7 +11879,7 @@
 </p:sld>
 </file>
 
-<file path=ppt/slides/slide17.xml><?xml version="1.0" encoding="utf-8"?>
+<file path=ppt/slides/slide18.xml><?xml version="1.0" encoding="utf-8"?>
 <p:sld xmlns:a="http://schemas.openxmlformats.org/drawingml/2006/main" xmlns:r="http://schemas.openxmlformats.org/officeDocument/2006/relationships" xmlns:p="http://schemas.openxmlformats.org/presentationml/2006/main">
   <p:cSld>
     <p:spTree>
@@ -11599,7 +12238,7 @@
 </p:sld>
 </file>
 
-<file path=ppt/slides/slide18.xml><?xml version="1.0" encoding="utf-8"?>
+<file path=ppt/slides/slide19.xml><?xml version="1.0" encoding="utf-8"?>
 <p:sld xmlns:a="http://schemas.openxmlformats.org/drawingml/2006/main" xmlns:r="http://schemas.openxmlformats.org/officeDocument/2006/relationships" xmlns:p="http://schemas.openxmlformats.org/presentationml/2006/main">
   <p:cSld>
     <p:spTree>
@@ -11711,78 +12350,6 @@
     <p:extLst>
       <p:ext uri="{BB962C8B-B14F-4D97-AF65-F5344CB8AC3E}">
         <p14:creationId xmlns:p14="http://schemas.microsoft.com/office/powerpoint/2010/main" val="1340772846"/>
-      </p:ext>
-    </p:extLst>
-  </p:cSld>
-  <p:clrMapOvr>
-    <a:masterClrMapping/>
-  </p:clrMapOvr>
-</p:sld>
-</file>
-
-<file path=ppt/slides/slide19.xml><?xml version="1.0" encoding="utf-8"?>
-<p:sld xmlns:a="http://schemas.openxmlformats.org/drawingml/2006/main" xmlns:r="http://schemas.openxmlformats.org/officeDocument/2006/relationships" xmlns:p="http://schemas.openxmlformats.org/presentationml/2006/main">
-  <p:cSld>
-    <p:spTree>
-      <p:nvGrpSpPr>
-        <p:cNvPr id="1" name=""/>
-        <p:cNvGrpSpPr/>
-        <p:nvPr/>
-      </p:nvGrpSpPr>
-      <p:grpSpPr>
-        <a:xfrm>
-          <a:off x="0" y="0"/>
-          <a:ext cx="0" cy="0"/>
-          <a:chOff x="0" y="0"/>
-          <a:chExt cx="0" cy="0"/>
-        </a:xfrm>
-      </p:grpSpPr>
-      <p:sp>
-        <p:nvSpPr>
-          <p:cNvPr id="7" name="개발 배경">
-            <a:extLst>
-              <a:ext uri="{FF2B5EF4-FFF2-40B4-BE49-F238E27FC236}">
-                <a16:creationId xmlns:a16="http://schemas.microsoft.com/office/drawing/2014/main" id="{7BCC61F2-9241-4C7E-891D-B602AF36CE71}"/>
-              </a:ext>
-            </a:extLst>
-          </p:cNvPr>
-          <p:cNvSpPr txBox="1">
-            <a:spLocks noGrp="1"/>
-          </p:cNvSpPr>
-          <p:nvPr>
-            <p:ph type="title"/>
-          </p:nvPr>
-        </p:nvSpPr>
-        <p:spPr>
-          <a:prstGeom prst="rect">
-            <a:avLst/>
-          </a:prstGeom>
-        </p:spPr>
-        <p:txBody>
-          <a:bodyPr>
-            <a:normAutofit/>
-          </a:bodyPr>
-          <a:lstStyle/>
-          <a:p>
-            <a:pPr algn="ctr"/>
-            <a:r>
-              <a:rPr lang="ko-KR" altLang="en-US" sz="4800" dirty="0">
-                <a:latin typeface="나눔스퀘어 Bold" panose="020B0600000101010101" pitchFamily="50" charset="-127"/>
-                <a:ea typeface="나눔스퀘어 Bold" panose="020B0600000101010101" pitchFamily="50" charset="-127"/>
-              </a:rPr>
-              <a:t>추후 개발 계획 및 후기</a:t>
-            </a:r>
-            <a:endParaRPr sz="4800" dirty="0">
-              <a:latin typeface="나눔스퀘어 Bold" panose="020B0600000101010101" pitchFamily="50" charset="-127"/>
-              <a:ea typeface="나눔스퀘어 Bold" panose="020B0600000101010101" pitchFamily="50" charset="-127"/>
-            </a:endParaRPr>
-          </a:p>
-        </p:txBody>
-      </p:sp>
-    </p:spTree>
-    <p:extLst>
-      <p:ext uri="{BB962C8B-B14F-4D97-AF65-F5344CB8AC3E}">
-        <p14:creationId xmlns:p14="http://schemas.microsoft.com/office/powerpoint/2010/main" val="2834763853"/>
       </p:ext>
     </p:extLst>
   </p:cSld>
@@ -12222,6 +12789,78 @@
 </file>
 
 <file path=ppt/slides/slide20.xml><?xml version="1.0" encoding="utf-8"?>
+<p:sld xmlns:a="http://schemas.openxmlformats.org/drawingml/2006/main" xmlns:r="http://schemas.openxmlformats.org/officeDocument/2006/relationships" xmlns:p="http://schemas.openxmlformats.org/presentationml/2006/main">
+  <p:cSld>
+    <p:spTree>
+      <p:nvGrpSpPr>
+        <p:cNvPr id="1" name=""/>
+        <p:cNvGrpSpPr/>
+        <p:nvPr/>
+      </p:nvGrpSpPr>
+      <p:grpSpPr>
+        <a:xfrm>
+          <a:off x="0" y="0"/>
+          <a:ext cx="0" cy="0"/>
+          <a:chOff x="0" y="0"/>
+          <a:chExt cx="0" cy="0"/>
+        </a:xfrm>
+      </p:grpSpPr>
+      <p:sp>
+        <p:nvSpPr>
+          <p:cNvPr id="7" name="개발 배경">
+            <a:extLst>
+              <a:ext uri="{FF2B5EF4-FFF2-40B4-BE49-F238E27FC236}">
+                <a16:creationId xmlns:a16="http://schemas.microsoft.com/office/drawing/2014/main" id="{7BCC61F2-9241-4C7E-891D-B602AF36CE71}"/>
+              </a:ext>
+            </a:extLst>
+          </p:cNvPr>
+          <p:cNvSpPr txBox="1">
+            <a:spLocks noGrp="1"/>
+          </p:cNvSpPr>
+          <p:nvPr>
+            <p:ph type="title"/>
+          </p:nvPr>
+        </p:nvSpPr>
+        <p:spPr>
+          <a:prstGeom prst="rect">
+            <a:avLst/>
+          </a:prstGeom>
+        </p:spPr>
+        <p:txBody>
+          <a:bodyPr>
+            <a:normAutofit/>
+          </a:bodyPr>
+          <a:lstStyle/>
+          <a:p>
+            <a:pPr algn="ctr"/>
+            <a:r>
+              <a:rPr lang="ko-KR" altLang="en-US" sz="4800" dirty="0">
+                <a:latin typeface="나눔스퀘어 Bold" panose="020B0600000101010101" pitchFamily="50" charset="-127"/>
+                <a:ea typeface="나눔스퀘어 Bold" panose="020B0600000101010101" pitchFamily="50" charset="-127"/>
+              </a:rPr>
+              <a:t>추후 개발 계획 및 후기</a:t>
+            </a:r>
+            <a:endParaRPr sz="4800" dirty="0">
+              <a:latin typeface="나눔스퀘어 Bold" panose="020B0600000101010101" pitchFamily="50" charset="-127"/>
+              <a:ea typeface="나눔스퀘어 Bold" panose="020B0600000101010101" pitchFamily="50" charset="-127"/>
+            </a:endParaRPr>
+          </a:p>
+        </p:txBody>
+      </p:sp>
+    </p:spTree>
+    <p:extLst>
+      <p:ext uri="{BB962C8B-B14F-4D97-AF65-F5344CB8AC3E}">
+        <p14:creationId xmlns:p14="http://schemas.microsoft.com/office/powerpoint/2010/main" val="2834763853"/>
+      </p:ext>
+    </p:extLst>
+  </p:cSld>
+  <p:clrMapOvr>
+    <a:masterClrMapping/>
+  </p:clrMapOvr>
+</p:sld>
+</file>
+
+<file path=ppt/slides/slide21.xml><?xml version="1.0" encoding="utf-8"?>
 <p:sld xmlns:a="http://schemas.openxmlformats.org/drawingml/2006/main" xmlns:r="http://schemas.openxmlformats.org/officeDocument/2006/relationships" xmlns:p="http://schemas.openxmlformats.org/presentationml/2006/main">
   <p:cSld>
     <p:spTree>
@@ -13125,7 +13764,7 @@
 </p:sld>
 </file>
 
-<file path=ppt/slides/slide21.xml><?xml version="1.0" encoding="utf-8"?>
+<file path=ppt/slides/slide22.xml><?xml version="1.0" encoding="utf-8"?>
 <p:sld xmlns:a="http://schemas.openxmlformats.org/drawingml/2006/main" xmlns:r="http://schemas.openxmlformats.org/officeDocument/2006/relationships" xmlns:p="http://schemas.openxmlformats.org/presentationml/2006/main">
   <p:cSld>
     <p:spTree>
@@ -13867,7 +14506,7 @@
 </p:sld>
 </file>
 
-<file path=ppt/slides/slide22.xml><?xml version="1.0" encoding="utf-8"?>
+<file path=ppt/slides/slide23.xml><?xml version="1.0" encoding="utf-8"?>
 <p:sld xmlns:a="http://schemas.openxmlformats.org/drawingml/2006/main" xmlns:r="http://schemas.openxmlformats.org/officeDocument/2006/relationships" xmlns:p="http://schemas.openxmlformats.org/presentationml/2006/main">
   <p:cSld>
     <p:spTree>
@@ -14806,7 +15445,7 @@
 </p:sld>
 </file>
 
-<file path=ppt/slides/slide23.xml><?xml version="1.0" encoding="utf-8"?>
+<file path=ppt/slides/slide24.xml><?xml version="1.0" encoding="utf-8"?>
 <p:sld xmlns:a="http://schemas.openxmlformats.org/drawingml/2006/main" xmlns:r="http://schemas.openxmlformats.org/officeDocument/2006/relationships" xmlns:p="http://schemas.openxmlformats.org/presentationml/2006/main">
   <p:cSld>
     <p:spTree>
@@ -16065,7 +16704,7 @@
 </p:sld>
 </file>
 
-<file path=ppt/slides/slide24.xml><?xml version="1.0" encoding="utf-8"?>
+<file path=ppt/slides/slide25.xml><?xml version="1.0" encoding="utf-8"?>
 <p:sld xmlns:a="http://schemas.openxmlformats.org/drawingml/2006/main" xmlns:r="http://schemas.openxmlformats.org/officeDocument/2006/relationships" xmlns:p="http://schemas.openxmlformats.org/presentationml/2006/main">
   <p:cSld>
     <p:spTree>
@@ -20456,6 +21095,250 @@
           </a:p>
         </p:txBody>
       </p:sp>
+      <p:pic>
+        <p:nvPicPr>
+          <p:cNvPr id="4" name="그림 3">
+            <a:extLst>
+              <a:ext uri="{FF2B5EF4-FFF2-40B4-BE49-F238E27FC236}">
+                <a16:creationId xmlns:a16="http://schemas.microsoft.com/office/drawing/2014/main" id="{7F47A93B-854B-4528-BDE6-7D5118FA627D}"/>
+              </a:ext>
+            </a:extLst>
+          </p:cNvPr>
+          <p:cNvPicPr>
+            <a:picLocks noChangeAspect="1"/>
+          </p:cNvPicPr>
+          <p:nvPr/>
+        </p:nvPicPr>
+        <p:blipFill>
+          <a:blip r:embed="rId3">
+            <a:extLst>
+              <a:ext uri="{28A0092B-C50C-407E-A947-70E740481C1C}">
+                <a14:useLocalDpi xmlns:a14="http://schemas.microsoft.com/office/drawing/2010/main" val="0"/>
+              </a:ext>
+            </a:extLst>
+          </a:blip>
+          <a:stretch>
+            <a:fillRect/>
+          </a:stretch>
+        </p:blipFill>
+        <p:spPr>
+          <a:xfrm>
+            <a:off x="3500293" y="1446041"/>
+            <a:ext cx="2466504" cy="5070037"/>
+          </a:xfrm>
+          <a:prstGeom prst="rect">
+            <a:avLst/>
+          </a:prstGeom>
+          <a:ln>
+            <a:solidFill>
+              <a:schemeClr val="bg2">
+                <a:lumMod val="50000"/>
+              </a:schemeClr>
+            </a:solidFill>
+          </a:ln>
+        </p:spPr>
+      </p:pic>
+      <p:pic>
+        <p:nvPicPr>
+          <p:cNvPr id="7" name="그림 6">
+            <a:extLst>
+              <a:ext uri="{FF2B5EF4-FFF2-40B4-BE49-F238E27FC236}">
+                <a16:creationId xmlns:a16="http://schemas.microsoft.com/office/drawing/2014/main" id="{E1B89C04-2101-477D-8619-22714D0A610E}"/>
+              </a:ext>
+            </a:extLst>
+          </p:cNvPr>
+          <p:cNvPicPr>
+            <a:picLocks noChangeAspect="1"/>
+          </p:cNvPicPr>
+          <p:nvPr/>
+        </p:nvPicPr>
+        <p:blipFill>
+          <a:blip r:embed="rId4">
+            <a:extLst>
+              <a:ext uri="{28A0092B-C50C-407E-A947-70E740481C1C}">
+                <a14:useLocalDpi xmlns:a14="http://schemas.microsoft.com/office/drawing/2010/main" val="0"/>
+              </a:ext>
+            </a:extLst>
+          </a:blip>
+          <a:stretch>
+            <a:fillRect/>
+          </a:stretch>
+        </p:blipFill>
+        <p:spPr>
+          <a:xfrm>
+            <a:off x="775383" y="1446041"/>
+            <a:ext cx="2466504" cy="5070037"/>
+          </a:xfrm>
+          <a:prstGeom prst="rect">
+            <a:avLst/>
+          </a:prstGeom>
+          <a:ln w="9525">
+            <a:solidFill>
+              <a:schemeClr val="bg2">
+                <a:lumMod val="50000"/>
+              </a:schemeClr>
+            </a:solidFill>
+          </a:ln>
+        </p:spPr>
+      </p:pic>
+      <p:pic>
+        <p:nvPicPr>
+          <p:cNvPr id="3" name="그림 2">
+            <a:extLst>
+              <a:ext uri="{FF2B5EF4-FFF2-40B4-BE49-F238E27FC236}">
+                <a16:creationId xmlns:a16="http://schemas.microsoft.com/office/drawing/2014/main" id="{854B4396-E4FB-4FD1-A069-77880A76CA45}"/>
+              </a:ext>
+            </a:extLst>
+          </p:cNvPr>
+          <p:cNvPicPr>
+            <a:picLocks noChangeAspect="1"/>
+          </p:cNvPicPr>
+          <p:nvPr/>
+        </p:nvPicPr>
+        <p:blipFill>
+          <a:blip r:embed="rId5">
+            <a:extLst>
+              <a:ext uri="{28A0092B-C50C-407E-A947-70E740481C1C}">
+                <a14:useLocalDpi xmlns:a14="http://schemas.microsoft.com/office/drawing/2010/main" val="0"/>
+              </a:ext>
+            </a:extLst>
+          </a:blip>
+          <a:stretch>
+            <a:fillRect/>
+          </a:stretch>
+        </p:blipFill>
+        <p:spPr>
+          <a:xfrm>
+            <a:off x="6225203" y="1446040"/>
+            <a:ext cx="2466504" cy="5070037"/>
+          </a:xfrm>
+          <a:prstGeom prst="rect">
+            <a:avLst/>
+          </a:prstGeom>
+          <a:ln>
+            <a:solidFill>
+              <a:schemeClr val="bg2">
+                <a:lumMod val="50000"/>
+              </a:schemeClr>
+            </a:solidFill>
+          </a:ln>
+        </p:spPr>
+      </p:pic>
+      <p:pic>
+        <p:nvPicPr>
+          <p:cNvPr id="10" name="그림 9">
+            <a:extLst>
+              <a:ext uri="{FF2B5EF4-FFF2-40B4-BE49-F238E27FC236}">
+                <a16:creationId xmlns:a16="http://schemas.microsoft.com/office/drawing/2014/main" id="{56A5C2DE-BAA9-4DB3-A1A8-6ACF6AE07118}"/>
+              </a:ext>
+            </a:extLst>
+          </p:cNvPr>
+          <p:cNvPicPr>
+            <a:picLocks noChangeAspect="1"/>
+          </p:cNvPicPr>
+          <p:nvPr/>
+        </p:nvPicPr>
+        <p:blipFill>
+          <a:blip r:embed="rId6">
+            <a:extLst>
+              <a:ext uri="{28A0092B-C50C-407E-A947-70E740481C1C}">
+                <a14:useLocalDpi xmlns:a14="http://schemas.microsoft.com/office/drawing/2010/main" val="0"/>
+              </a:ext>
+            </a:extLst>
+          </a:blip>
+          <a:stretch>
+            <a:fillRect/>
+          </a:stretch>
+        </p:blipFill>
+        <p:spPr>
+          <a:xfrm>
+            <a:off x="8950113" y="1446039"/>
+            <a:ext cx="2466504" cy="5070037"/>
+          </a:xfrm>
+          <a:prstGeom prst="rect">
+            <a:avLst/>
+          </a:prstGeom>
+          <a:ln>
+            <a:solidFill>
+              <a:schemeClr val="bg2">
+                <a:lumMod val="50000"/>
+              </a:schemeClr>
+            </a:solidFill>
+          </a:ln>
+        </p:spPr>
+      </p:pic>
+    </p:spTree>
+    <p:extLst>
+      <p:ext uri="{BB962C8B-B14F-4D97-AF65-F5344CB8AC3E}">
+        <p14:creationId xmlns:p14="http://schemas.microsoft.com/office/powerpoint/2010/main" val="1968432255"/>
+      </p:ext>
+    </p:extLst>
+  </p:cSld>
+  <p:clrMapOvr>
+    <a:masterClrMapping/>
+  </p:clrMapOvr>
+</p:sld>
+</file>
+
+<file path=ppt/slides/slide9.xml><?xml version="1.0" encoding="utf-8"?>
+<p:sld xmlns:a="http://schemas.openxmlformats.org/drawingml/2006/main" xmlns:r="http://schemas.openxmlformats.org/officeDocument/2006/relationships" xmlns:p="http://schemas.openxmlformats.org/presentationml/2006/main">
+  <p:cSld>
+    <p:spTree>
+      <p:nvGrpSpPr>
+        <p:cNvPr id="1" name=""/>
+        <p:cNvGrpSpPr/>
+        <p:nvPr/>
+      </p:nvGrpSpPr>
+      <p:grpSpPr>
+        <a:xfrm>
+          <a:off x="0" y="0"/>
+          <a:ext cx="0" cy="0"/>
+          <a:chOff x="0" y="0"/>
+          <a:chExt cx="0" cy="0"/>
+        </a:xfrm>
+      </p:grpSpPr>
+      <p:sp>
+        <p:nvSpPr>
+          <p:cNvPr id="6" name="TextBox 5">
+            <a:extLst>
+              <a:ext uri="{FF2B5EF4-FFF2-40B4-BE49-F238E27FC236}">
+                <a16:creationId xmlns:a16="http://schemas.microsoft.com/office/drawing/2014/main" id="{42A6955F-C97B-4E5D-AA79-0644E3710CD5}"/>
+              </a:ext>
+            </a:extLst>
+          </p:cNvPr>
+          <p:cNvSpPr txBox="1"/>
+          <p:nvPr/>
+        </p:nvSpPr>
+        <p:spPr>
+          <a:xfrm>
+            <a:off x="4807840" y="341922"/>
+            <a:ext cx="2576346" cy="830997"/>
+          </a:xfrm>
+          <a:prstGeom prst="rect">
+            <a:avLst/>
+          </a:prstGeom>
+          <a:noFill/>
+        </p:spPr>
+        <p:txBody>
+          <a:bodyPr wrap="none" rtlCol="0">
+            <a:spAutoFit/>
+          </a:bodyPr>
+          <a:lstStyle/>
+          <a:p>
+            <a:pPr algn="ctr"/>
+            <a:r>
+              <a:rPr lang="ko-KR" altLang="en-US" sz="4800" dirty="0">
+                <a:solidFill>
+                  <a:srgbClr val="6BC7BF"/>
+                </a:solidFill>
+                <a:latin typeface="나눔스퀘어" panose="020B0600000101010101" pitchFamily="50" charset="-127"/>
+                <a:ea typeface="나눔스퀘어" panose="020B0600000101010101" pitchFamily="50" charset="-127"/>
+              </a:rPr>
+              <a:t>습관 분석</a:t>
+            </a:r>
+          </a:p>
+        </p:txBody>
+      </p:sp>
       <p:sp>
         <p:nvSpPr>
           <p:cNvPr id="16" name="다양한 스마트 헬스케어 제품 출시…">
@@ -20808,451 +21691,12 @@
           </a:prstGeom>
         </p:spPr>
       </p:pic>
-      <p:sp>
-        <p:nvSpPr>
-          <p:cNvPr id="3" name="직사각형 2">
+      <p:pic>
+        <p:nvPicPr>
+          <p:cNvPr id="12" name="그림 11">
             <a:extLst>
               <a:ext uri="{FF2B5EF4-FFF2-40B4-BE49-F238E27FC236}">
-                <a16:creationId xmlns:a16="http://schemas.microsoft.com/office/drawing/2014/main" id="{BFAE8634-461D-493B-9929-DE4F4641348D}"/>
-              </a:ext>
-            </a:extLst>
-          </p:cNvPr>
-          <p:cNvSpPr/>
-          <p:nvPr/>
-        </p:nvSpPr>
-        <p:spPr>
-          <a:xfrm>
-            <a:off x="1008930" y="1497472"/>
-            <a:ext cx="2950235" cy="4772205"/>
-          </a:xfrm>
-          <a:prstGeom prst="rect">
-            <a:avLst/>
-          </a:prstGeom>
-        </p:spPr>
-        <p:style>
-          <a:lnRef idx="2">
-            <a:schemeClr val="accent1">
-              <a:shade val="50000"/>
-            </a:schemeClr>
-          </a:lnRef>
-          <a:fillRef idx="1">
-            <a:schemeClr val="accent1"/>
-          </a:fillRef>
-          <a:effectRef idx="0">
-            <a:schemeClr val="accent1"/>
-          </a:effectRef>
-          <a:fontRef idx="minor">
-            <a:schemeClr val="lt1"/>
-          </a:fontRef>
-        </p:style>
-        <p:txBody>
-          <a:bodyPr rtlCol="0" anchor="ctr"/>
-          <a:lstStyle/>
-          <a:p>
-            <a:pPr algn="ctr"/>
-            <a:r>
-              <a:rPr lang="ko-KR" altLang="en-US" dirty="0"/>
-              <a:t>메인 페이지 화면</a:t>
-            </a:r>
-          </a:p>
-        </p:txBody>
-      </p:sp>
-    </p:spTree>
-    <p:extLst>
-      <p:ext uri="{BB962C8B-B14F-4D97-AF65-F5344CB8AC3E}">
-        <p14:creationId xmlns:p14="http://schemas.microsoft.com/office/powerpoint/2010/main" val="3032088899"/>
-      </p:ext>
-    </p:extLst>
-  </p:cSld>
-  <p:clrMapOvr>
-    <a:masterClrMapping/>
-  </p:clrMapOvr>
-</p:sld>
-</file>
-
-<file path=ppt/slides/slide9.xml><?xml version="1.0" encoding="utf-8"?>
-<p:sld xmlns:a="http://schemas.openxmlformats.org/drawingml/2006/main" xmlns:r="http://schemas.openxmlformats.org/officeDocument/2006/relationships" xmlns:p="http://schemas.openxmlformats.org/presentationml/2006/main">
-  <p:cSld>
-    <p:spTree>
-      <p:nvGrpSpPr>
-        <p:cNvPr id="1" name=""/>
-        <p:cNvGrpSpPr/>
-        <p:nvPr/>
-      </p:nvGrpSpPr>
-      <p:grpSpPr>
-        <a:xfrm>
-          <a:off x="0" y="0"/>
-          <a:ext cx="0" cy="0"/>
-          <a:chOff x="0" y="0"/>
-          <a:chExt cx="0" cy="0"/>
-        </a:xfrm>
-      </p:grpSpPr>
-      <p:sp>
-        <p:nvSpPr>
-          <p:cNvPr id="6" name="TextBox 5">
-            <a:extLst>
-              <a:ext uri="{FF2B5EF4-FFF2-40B4-BE49-F238E27FC236}">
-                <a16:creationId xmlns:a16="http://schemas.microsoft.com/office/drawing/2014/main" id="{42A6955F-C97B-4E5D-AA79-0644E3710CD5}"/>
-              </a:ext>
-            </a:extLst>
-          </p:cNvPr>
-          <p:cNvSpPr txBox="1"/>
-          <p:nvPr/>
-        </p:nvSpPr>
-        <p:spPr>
-          <a:xfrm>
-            <a:off x="4248393" y="341922"/>
-            <a:ext cx="3695242" cy="830997"/>
-          </a:xfrm>
-          <a:prstGeom prst="rect">
-            <a:avLst/>
-          </a:prstGeom>
-          <a:noFill/>
-        </p:spPr>
-        <p:txBody>
-          <a:bodyPr wrap="none" rtlCol="0">
-            <a:spAutoFit/>
-          </a:bodyPr>
-          <a:lstStyle/>
-          <a:p>
-            <a:pPr algn="ctr"/>
-            <a:r>
-              <a:rPr lang="ko-KR" altLang="en-US" sz="4800" dirty="0">
-                <a:solidFill>
-                  <a:srgbClr val="6BC7BF"/>
-                </a:solidFill>
-                <a:latin typeface="나눔스퀘어" panose="020B0600000101010101" pitchFamily="50" charset="-127"/>
-                <a:ea typeface="나눔스퀘어" panose="020B0600000101010101" pitchFamily="50" charset="-127"/>
-              </a:rPr>
-              <a:t>양치 모니터링</a:t>
-            </a:r>
-            <a:endParaRPr lang="en-US" altLang="ko-KR" sz="4800" dirty="0">
-              <a:solidFill>
-                <a:srgbClr val="6BC7BF"/>
-              </a:solidFill>
-              <a:latin typeface="나눔스퀘어" panose="020B0600000101010101" pitchFamily="50" charset="-127"/>
-              <a:ea typeface="나눔스퀘어" panose="020B0600000101010101" pitchFamily="50" charset="-127"/>
-            </a:endParaRPr>
-          </a:p>
-        </p:txBody>
-      </p:sp>
-      <p:sp>
-        <p:nvSpPr>
-          <p:cNvPr id="16" name="다양한 스마트 헬스케어 제품 출시…">
-            <a:extLst>
-              <a:ext uri="{FF2B5EF4-FFF2-40B4-BE49-F238E27FC236}">
-                <a16:creationId xmlns:a16="http://schemas.microsoft.com/office/drawing/2014/main" id="{41E72F1B-F8D1-4DAB-828A-0B72251BC4D4}"/>
-              </a:ext>
-            </a:extLst>
-          </p:cNvPr>
-          <p:cNvSpPr txBox="1">
-            <a:spLocks/>
-          </p:cNvSpPr>
-          <p:nvPr/>
-        </p:nvSpPr>
-        <p:spPr>
-          <a:xfrm>
-            <a:off x="1357261" y="1497473"/>
-            <a:ext cx="6191855" cy="4244108"/>
-          </a:xfrm>
-          <a:prstGeom prst="rect">
-            <a:avLst/>
-          </a:prstGeom>
-        </p:spPr>
-        <p:txBody>
-          <a:bodyPr vert="horz" lIns="91440" tIns="45720" rIns="91440" bIns="45720" rtlCol="0">
-            <a:noAutofit/>
-          </a:bodyPr>
-          <a:lstStyle>
-            <a:lvl1pPr marL="228600" indent="-228600" algn="l" defTabSz="914400" rtl="0" eaLnBrk="1" latinLnBrk="1" hangingPunct="1">
-              <a:lnSpc>
-                <a:spcPct val="90000"/>
-              </a:lnSpc>
-              <a:spcBef>
-                <a:spcPts val="1000"/>
-              </a:spcBef>
-              <a:buFont typeface="Arial" panose="020B0604020202020204" pitchFamily="34" charset="0"/>
-              <a:buChar char="•"/>
-              <a:defRPr sz="2800" kern="1200">
-                <a:solidFill>
-                  <a:schemeClr val="tx1"/>
-                </a:solidFill>
-                <a:latin typeface="+mn-lt"/>
-                <a:ea typeface="+mn-ea"/>
-                <a:cs typeface="+mn-cs"/>
-              </a:defRPr>
-            </a:lvl1pPr>
-            <a:lvl2pPr marL="685800" indent="-228600" algn="l" defTabSz="914400" rtl="0" eaLnBrk="1" latinLnBrk="1" hangingPunct="1">
-              <a:lnSpc>
-                <a:spcPct val="90000"/>
-              </a:lnSpc>
-              <a:spcBef>
-                <a:spcPts val="500"/>
-              </a:spcBef>
-              <a:buFont typeface="Arial" panose="020B0604020202020204" pitchFamily="34" charset="0"/>
-              <a:buChar char="•"/>
-              <a:defRPr sz="2400" kern="1200">
-                <a:solidFill>
-                  <a:schemeClr val="tx1"/>
-                </a:solidFill>
-                <a:latin typeface="+mn-lt"/>
-                <a:ea typeface="+mn-ea"/>
-                <a:cs typeface="+mn-cs"/>
-              </a:defRPr>
-            </a:lvl2pPr>
-            <a:lvl3pPr marL="1143000" indent="-228600" algn="l" defTabSz="914400" rtl="0" eaLnBrk="1" latinLnBrk="1" hangingPunct="1">
-              <a:lnSpc>
-                <a:spcPct val="90000"/>
-              </a:lnSpc>
-              <a:spcBef>
-                <a:spcPts val="500"/>
-              </a:spcBef>
-              <a:buFont typeface="Arial" panose="020B0604020202020204" pitchFamily="34" charset="0"/>
-              <a:buChar char="•"/>
-              <a:defRPr sz="2000" kern="1200">
-                <a:solidFill>
-                  <a:schemeClr val="tx1"/>
-                </a:solidFill>
-                <a:latin typeface="+mn-lt"/>
-                <a:ea typeface="+mn-ea"/>
-                <a:cs typeface="+mn-cs"/>
-              </a:defRPr>
-            </a:lvl3pPr>
-            <a:lvl4pPr marL="1600200" indent="-228600" algn="l" defTabSz="914400" rtl="0" eaLnBrk="1" latinLnBrk="1" hangingPunct="1">
-              <a:lnSpc>
-                <a:spcPct val="90000"/>
-              </a:lnSpc>
-              <a:spcBef>
-                <a:spcPts val="500"/>
-              </a:spcBef>
-              <a:buFont typeface="Arial" panose="020B0604020202020204" pitchFamily="34" charset="0"/>
-              <a:buChar char="•"/>
-              <a:defRPr sz="1800" kern="1200">
-                <a:solidFill>
-                  <a:schemeClr val="tx1"/>
-                </a:solidFill>
-                <a:latin typeface="+mn-lt"/>
-                <a:ea typeface="+mn-ea"/>
-                <a:cs typeface="+mn-cs"/>
-              </a:defRPr>
-            </a:lvl4pPr>
-            <a:lvl5pPr marL="2057400" indent="-228600" algn="l" defTabSz="914400" rtl="0" eaLnBrk="1" latinLnBrk="1" hangingPunct="1">
-              <a:lnSpc>
-                <a:spcPct val="90000"/>
-              </a:lnSpc>
-              <a:spcBef>
-                <a:spcPts val="500"/>
-              </a:spcBef>
-              <a:buFont typeface="Arial" panose="020B0604020202020204" pitchFamily="34" charset="0"/>
-              <a:buChar char="•"/>
-              <a:defRPr sz="1800" kern="1200">
-                <a:solidFill>
-                  <a:schemeClr val="tx1"/>
-                </a:solidFill>
-                <a:latin typeface="+mn-lt"/>
-                <a:ea typeface="+mn-ea"/>
-                <a:cs typeface="+mn-cs"/>
-              </a:defRPr>
-            </a:lvl5pPr>
-            <a:lvl6pPr marL="2514600" indent="-228600" algn="l" defTabSz="914400" rtl="0" eaLnBrk="1" latinLnBrk="1" hangingPunct="1">
-              <a:lnSpc>
-                <a:spcPct val="90000"/>
-              </a:lnSpc>
-              <a:spcBef>
-                <a:spcPts val="500"/>
-              </a:spcBef>
-              <a:buFont typeface="Arial" panose="020B0604020202020204" pitchFamily="34" charset="0"/>
-              <a:buChar char="•"/>
-              <a:defRPr sz="1800" kern="1200">
-                <a:solidFill>
-                  <a:schemeClr val="tx1"/>
-                </a:solidFill>
-                <a:latin typeface="+mn-lt"/>
-                <a:ea typeface="+mn-ea"/>
-                <a:cs typeface="+mn-cs"/>
-              </a:defRPr>
-            </a:lvl6pPr>
-            <a:lvl7pPr marL="2971800" indent="-228600" algn="l" defTabSz="914400" rtl="0" eaLnBrk="1" latinLnBrk="1" hangingPunct="1">
-              <a:lnSpc>
-                <a:spcPct val="90000"/>
-              </a:lnSpc>
-              <a:spcBef>
-                <a:spcPts val="500"/>
-              </a:spcBef>
-              <a:buFont typeface="Arial" panose="020B0604020202020204" pitchFamily="34" charset="0"/>
-              <a:buChar char="•"/>
-              <a:defRPr sz="1800" kern="1200">
-                <a:solidFill>
-                  <a:schemeClr val="tx1"/>
-                </a:solidFill>
-                <a:latin typeface="+mn-lt"/>
-                <a:ea typeface="+mn-ea"/>
-                <a:cs typeface="+mn-cs"/>
-              </a:defRPr>
-            </a:lvl7pPr>
-            <a:lvl8pPr marL="3429000" indent="-228600" algn="l" defTabSz="914400" rtl="0" eaLnBrk="1" latinLnBrk="1" hangingPunct="1">
-              <a:lnSpc>
-                <a:spcPct val="90000"/>
-              </a:lnSpc>
-              <a:spcBef>
-                <a:spcPts val="500"/>
-              </a:spcBef>
-              <a:buFont typeface="Arial" panose="020B0604020202020204" pitchFamily="34" charset="0"/>
-              <a:buChar char="•"/>
-              <a:defRPr sz="1800" kern="1200">
-                <a:solidFill>
-                  <a:schemeClr val="tx1"/>
-                </a:solidFill>
-                <a:latin typeface="+mn-lt"/>
-                <a:ea typeface="+mn-ea"/>
-                <a:cs typeface="+mn-cs"/>
-              </a:defRPr>
-            </a:lvl8pPr>
-            <a:lvl9pPr marL="3886200" indent="-228600" algn="l" defTabSz="914400" rtl="0" eaLnBrk="1" latinLnBrk="1" hangingPunct="1">
-              <a:lnSpc>
-                <a:spcPct val="90000"/>
-              </a:lnSpc>
-              <a:spcBef>
-                <a:spcPts val="500"/>
-              </a:spcBef>
-              <a:buFont typeface="Arial" panose="020B0604020202020204" pitchFamily="34" charset="0"/>
-              <a:buChar char="•"/>
-              <a:defRPr sz="1800" kern="1200">
-                <a:solidFill>
-                  <a:schemeClr val="tx1"/>
-                </a:solidFill>
-                <a:latin typeface="+mn-lt"/>
-                <a:ea typeface="+mn-ea"/>
-                <a:cs typeface="+mn-cs"/>
-              </a:defRPr>
-            </a:lvl9pPr>
-          </a:lstStyle>
-          <a:p>
-            <a:pPr>
-              <a:lnSpc>
-                <a:spcPct val="200000"/>
-              </a:lnSpc>
-              <a:buSzPct val="50000"/>
-            </a:pPr>
-            <a:r>
-              <a:rPr lang="ko-KR" altLang="en-US" sz="2000" dirty="0">
-                <a:latin typeface="나눔스퀘어" panose="020B0600000101010101" pitchFamily="50" charset="-127"/>
-                <a:ea typeface="나눔스퀘어" panose="020B0600000101010101" pitchFamily="50" charset="-127"/>
-              </a:rPr>
-              <a:t>치아모형을 터치하여 모니터링</a:t>
-            </a:r>
-            <a:r>
-              <a:rPr lang="en-US" altLang="ko-KR" sz="2000" dirty="0">
-                <a:latin typeface="나눔스퀘어" panose="020B0600000101010101" pitchFamily="50" charset="-127"/>
-                <a:ea typeface="나눔스퀘어" panose="020B0600000101010101" pitchFamily="50" charset="-127"/>
-              </a:rPr>
-              <a:t> </a:t>
-            </a:r>
-            <a:r>
-              <a:rPr lang="ko-KR" altLang="en-US" sz="2000" dirty="0">
-                <a:latin typeface="나눔스퀘어" panose="020B0600000101010101" pitchFamily="50" charset="-127"/>
-                <a:ea typeface="나눔스퀘어" panose="020B0600000101010101" pitchFamily="50" charset="-127"/>
-              </a:rPr>
-              <a:t>시작 및 종료</a:t>
-            </a:r>
-            <a:endParaRPr lang="en-US" altLang="ko-KR" sz="2000" dirty="0">
-              <a:latin typeface="나눔스퀘어" panose="020B0600000101010101" pitchFamily="50" charset="-127"/>
-              <a:ea typeface="나눔스퀘어" panose="020B0600000101010101" pitchFamily="50" charset="-127"/>
-            </a:endParaRPr>
-          </a:p>
-          <a:p>
-            <a:pPr>
-              <a:lnSpc>
-                <a:spcPct val="200000"/>
-              </a:lnSpc>
-              <a:buSzPct val="50000"/>
-            </a:pPr>
-            <a:r>
-              <a:rPr lang="ko-KR" altLang="en-US" sz="2000" dirty="0">
-                <a:latin typeface="나눔스퀘어" panose="020B0600000101010101" pitchFamily="50" charset="-127"/>
-                <a:ea typeface="나눔스퀘어" panose="020B0600000101010101" pitchFamily="50" charset="-127"/>
-              </a:rPr>
-              <a:t>아치 칫솔과 통신하며 양치 정보를 수집하여</a:t>
-            </a:r>
-            <a:r>
-              <a:rPr lang="en-US" altLang="ko-KR" sz="2000" dirty="0">
-                <a:latin typeface="나눔스퀘어" panose="020B0600000101010101" pitchFamily="50" charset="-127"/>
-                <a:ea typeface="나눔스퀘어" panose="020B0600000101010101" pitchFamily="50" charset="-127"/>
-              </a:rPr>
-              <a:t> </a:t>
-            </a:r>
-            <a:r>
-              <a:rPr lang="ko-KR" altLang="en-US" sz="2000" dirty="0">
-                <a:latin typeface="나눔스퀘어" panose="020B0600000101010101" pitchFamily="50" charset="-127"/>
-                <a:ea typeface="나눔스퀘어" panose="020B0600000101010101" pitchFamily="50" charset="-127"/>
-              </a:rPr>
-              <a:t>양치 진행 상황을 실시간으로  치아 모델에 보여 줌</a:t>
-            </a:r>
-            <a:endParaRPr lang="en-US" altLang="ko-KR" sz="2000" dirty="0">
-              <a:latin typeface="나눔스퀘어" panose="020B0600000101010101" pitchFamily="50" charset="-127"/>
-              <a:ea typeface="나눔스퀘어" panose="020B0600000101010101" pitchFamily="50" charset="-127"/>
-            </a:endParaRPr>
-          </a:p>
-          <a:p>
-            <a:pPr>
-              <a:lnSpc>
-                <a:spcPct val="200000"/>
-              </a:lnSpc>
-              <a:buSzPct val="50000"/>
-            </a:pPr>
-            <a:r>
-              <a:rPr lang="ko-KR" altLang="en-US" sz="2000" dirty="0">
-                <a:latin typeface="나눔스퀘어" panose="020B0600000101010101" pitchFamily="50" charset="-127"/>
-                <a:ea typeface="나눔스퀘어" panose="020B0600000101010101" pitchFamily="50" charset="-127"/>
-              </a:rPr>
-              <a:t>양치 시간을 측정하고</a:t>
-            </a:r>
-            <a:r>
-              <a:rPr lang="en-US" altLang="ko-KR" sz="2000" dirty="0">
-                <a:latin typeface="나눔스퀘어" panose="020B0600000101010101" pitchFamily="50" charset="-127"/>
-                <a:ea typeface="나눔스퀘어" panose="020B0600000101010101" pitchFamily="50" charset="-127"/>
-              </a:rPr>
-              <a:t>, </a:t>
-            </a:r>
-            <a:r>
-              <a:rPr lang="ko-KR" altLang="en-US" sz="2000" dirty="0">
-                <a:latin typeface="나눔스퀘어" panose="020B0600000101010101" pitchFamily="50" charset="-127"/>
-                <a:ea typeface="나눔스퀘어" panose="020B0600000101010101" pitchFamily="50" charset="-127"/>
-              </a:rPr>
-              <a:t>적당한 시간에 알림 제공</a:t>
-            </a:r>
-            <a:endParaRPr lang="en-US" altLang="ko-KR" sz="2000" dirty="0">
-              <a:latin typeface="나눔스퀘어" panose="020B0600000101010101" pitchFamily="50" charset="-127"/>
-              <a:ea typeface="나눔스퀘어" panose="020B0600000101010101" pitchFamily="50" charset="-127"/>
-            </a:endParaRPr>
-          </a:p>
-          <a:p>
-            <a:pPr>
-              <a:lnSpc>
-                <a:spcPct val="200000"/>
-              </a:lnSpc>
-              <a:buSzPct val="50000"/>
-            </a:pPr>
-            <a:r>
-              <a:rPr lang="ko-KR" altLang="en-US" sz="2000" dirty="0">
-                <a:latin typeface="나눔스퀘어" panose="020B0600000101010101" pitchFamily="50" charset="-127"/>
-                <a:ea typeface="나눔스퀘어" panose="020B0600000101010101" pitchFamily="50" charset="-127"/>
-              </a:rPr>
-              <a:t>치아 상식 섹션에서 치아정보를 제공</a:t>
-            </a:r>
-            <a:endParaRPr lang="en-US" altLang="ko-KR" sz="2000" dirty="0">
-              <a:latin typeface="나눔스퀘어" panose="020B0600000101010101" pitchFamily="50" charset="-127"/>
-              <a:ea typeface="나눔스퀘어" panose="020B0600000101010101" pitchFamily="50" charset="-127"/>
-            </a:endParaRPr>
-          </a:p>
-        </p:txBody>
-      </p:sp>
-      <p:pic>
-        <p:nvPicPr>
-          <p:cNvPr id="8" name="그림 7" descr="1.png">
-            <a:extLst>
-              <a:ext uri="{FF2B5EF4-FFF2-40B4-BE49-F238E27FC236}">
-                <a16:creationId xmlns:a16="http://schemas.microsoft.com/office/drawing/2014/main" id="{08F9094D-898B-4142-9AA8-B70ED27F6836}"/>
+                <a16:creationId xmlns:a16="http://schemas.microsoft.com/office/drawing/2014/main" id="{F68AE984-F523-46D9-AFF1-AEC9F43C5B5D}"/>
               </a:ext>
             </a:extLst>
           </p:cNvPr>
@@ -21262,164 +21706,38 @@
           <p:nvPr/>
         </p:nvPicPr>
         <p:blipFill>
-          <a:blip r:embed="rId3" cstate="print"/>
+          <a:blip r:embed="rId6">
+            <a:extLst>
+              <a:ext uri="{28A0092B-C50C-407E-A947-70E740481C1C}">
+                <a14:useLocalDpi xmlns:a14="http://schemas.microsoft.com/office/drawing/2010/main" val="0"/>
+              </a:ext>
+            </a:extLst>
+          </a:blip>
           <a:stretch>
             <a:fillRect/>
           </a:stretch>
         </p:blipFill>
         <p:spPr>
           <a:xfrm>
-            <a:off x="1162183" y="1650048"/>
-            <a:ext cx="390145" cy="408433"/>
+            <a:off x="1427187" y="1513066"/>
+            <a:ext cx="2466504" cy="5070037"/>
           </a:xfrm>
           <a:prstGeom prst="rect">
             <a:avLst/>
           </a:prstGeom>
-        </p:spPr>
-      </p:pic>
-      <p:pic>
-        <p:nvPicPr>
-          <p:cNvPr id="9" name="그림 8" descr="2.png">
-            <a:extLst>
-              <a:ext uri="{FF2B5EF4-FFF2-40B4-BE49-F238E27FC236}">
-                <a16:creationId xmlns:a16="http://schemas.microsoft.com/office/drawing/2014/main" id="{46FDD669-BC7D-4A3D-918E-33ECFADAA7B2}"/>
-              </a:ext>
-            </a:extLst>
-          </p:cNvPr>
-          <p:cNvPicPr>
-            <a:picLocks noChangeAspect="1"/>
-          </p:cNvPicPr>
-          <p:nvPr/>
-        </p:nvPicPr>
-        <p:blipFill>
-          <a:blip r:embed="rId4" cstate="print"/>
-          <a:stretch>
-            <a:fillRect/>
-          </a:stretch>
-        </p:blipFill>
-        <p:spPr>
-          <a:xfrm>
-            <a:off x="1162182" y="2420498"/>
-            <a:ext cx="390145" cy="408433"/>
-          </a:xfrm>
-          <a:prstGeom prst="rect">
-            <a:avLst/>
-          </a:prstGeom>
-        </p:spPr>
-      </p:pic>
-      <p:pic>
-        <p:nvPicPr>
-          <p:cNvPr id="11" name="그림 10" descr="3.png">
-            <a:extLst>
-              <a:ext uri="{FF2B5EF4-FFF2-40B4-BE49-F238E27FC236}">
-                <a16:creationId xmlns:a16="http://schemas.microsoft.com/office/drawing/2014/main" id="{E830A15F-CBC2-4295-9719-15786311958F}"/>
-              </a:ext>
-            </a:extLst>
-          </p:cNvPr>
-          <p:cNvPicPr>
-            <a:picLocks noChangeAspect="1"/>
-          </p:cNvPicPr>
-          <p:nvPr/>
-        </p:nvPicPr>
-        <p:blipFill>
-          <a:blip r:embed="rId5" cstate="print"/>
-          <a:stretch>
-            <a:fillRect/>
-          </a:stretch>
-        </p:blipFill>
-        <p:spPr>
-          <a:xfrm>
-            <a:off x="1162181" y="3761055"/>
-            <a:ext cx="390145" cy="408433"/>
-          </a:xfrm>
-          <a:prstGeom prst="rect">
-            <a:avLst/>
-          </a:prstGeom>
-        </p:spPr>
-      </p:pic>
-      <p:sp>
-        <p:nvSpPr>
-          <p:cNvPr id="3" name="직사각형 2">
-            <a:extLst>
-              <a:ext uri="{FF2B5EF4-FFF2-40B4-BE49-F238E27FC236}">
-                <a16:creationId xmlns:a16="http://schemas.microsoft.com/office/drawing/2014/main" id="{BFAE8634-461D-493B-9929-DE4F4641348D}"/>
-              </a:ext>
-            </a:extLst>
-          </p:cNvPr>
-          <p:cNvSpPr/>
-          <p:nvPr/>
-        </p:nvSpPr>
-        <p:spPr>
-          <a:xfrm>
-            <a:off x="8079581" y="1497472"/>
-            <a:ext cx="2950235" cy="4772205"/>
-          </a:xfrm>
-          <a:prstGeom prst="rect">
-            <a:avLst/>
-          </a:prstGeom>
-        </p:spPr>
-        <p:style>
-          <a:lnRef idx="2">
-            <a:schemeClr val="accent1">
-              <a:shade val="50000"/>
-            </a:schemeClr>
-          </a:lnRef>
-          <a:fillRef idx="1">
-            <a:schemeClr val="accent1"/>
-          </a:fillRef>
-          <a:effectRef idx="0">
-            <a:schemeClr val="accent1"/>
-          </a:effectRef>
-          <a:fontRef idx="minor">
-            <a:schemeClr val="lt1"/>
-          </a:fontRef>
-        </p:style>
-        <p:txBody>
-          <a:bodyPr rtlCol="0" anchor="ctr"/>
-          <a:lstStyle/>
-          <a:p>
-            <a:pPr algn="ctr"/>
-            <a:r>
-              <a:rPr lang="ko-KR" altLang="en-US" dirty="0"/>
-              <a:t>모니터링 페이지 화면</a:t>
-            </a:r>
-          </a:p>
-        </p:txBody>
-      </p:sp>
-      <p:pic>
-        <p:nvPicPr>
-          <p:cNvPr id="10" name="그림 9" descr="4.png">
-            <a:extLst>
-              <a:ext uri="{FF2B5EF4-FFF2-40B4-BE49-F238E27FC236}">
-                <a16:creationId xmlns:a16="http://schemas.microsoft.com/office/drawing/2014/main" id="{7918341F-43D1-44C7-8DFA-89271B259690}"/>
-              </a:ext>
-            </a:extLst>
-          </p:cNvPr>
-          <p:cNvPicPr>
-            <a:picLocks noChangeAspect="1"/>
-          </p:cNvPicPr>
-          <p:nvPr/>
-        </p:nvPicPr>
-        <p:blipFill>
-          <a:blip r:embed="rId6" cstate="print"/>
-          <a:stretch>
-            <a:fillRect/>
-          </a:stretch>
-        </p:blipFill>
-        <p:spPr>
-          <a:xfrm>
-            <a:off x="1162180" y="4531505"/>
-            <a:ext cx="390145" cy="408433"/>
-          </a:xfrm>
-          <a:prstGeom prst="rect">
-            <a:avLst/>
-          </a:prstGeom>
+          <a:ln>
+            <a:solidFill>
+              <a:schemeClr val="bg2">
+                <a:lumMod val="50000"/>
+              </a:schemeClr>
+            </a:solidFill>
+          </a:ln>
         </p:spPr>
       </p:pic>
     </p:spTree>
     <p:extLst>
       <p:ext uri="{BB962C8B-B14F-4D97-AF65-F5344CB8AC3E}">
-        <p14:creationId xmlns:p14="http://schemas.microsoft.com/office/powerpoint/2010/main" val="651002703"/>
+        <p14:creationId xmlns:p14="http://schemas.microsoft.com/office/powerpoint/2010/main" val="3032088899"/>
       </p:ext>
     </p:extLst>
   </p:cSld>
